--- a/Mother ship poster board.pptx
+++ b/Mother ship poster board.pptx
@@ -254,7 +254,7 @@
           <a:p>
             <a:fld id="{A9DCEFE4-7BE0-4864-874C-B8DA93E940DD}" type="datetimeFigureOut">
               <a:rPr lang="en-US" smtClean="0"/>
-              <a:t>11/14/2019</a:t>
+              <a:t>11/15/2019</a:t>
             </a:fld>
             <a:endParaRPr lang="en-US"/>
           </a:p>
@@ -424,7 +424,7 @@
           <a:p>
             <a:fld id="{A9DCEFE4-7BE0-4864-874C-B8DA93E940DD}" type="datetimeFigureOut">
               <a:rPr lang="en-US" smtClean="0"/>
-              <a:t>11/14/2019</a:t>
+              <a:t>11/15/2019</a:t>
             </a:fld>
             <a:endParaRPr lang="en-US"/>
           </a:p>
@@ -604,7 +604,7 @@
           <a:p>
             <a:fld id="{A9DCEFE4-7BE0-4864-874C-B8DA93E940DD}" type="datetimeFigureOut">
               <a:rPr lang="en-US" smtClean="0"/>
-              <a:t>11/14/2019</a:t>
+              <a:t>11/15/2019</a:t>
             </a:fld>
             <a:endParaRPr lang="en-US"/>
           </a:p>
@@ -774,7 +774,7 @@
           <a:p>
             <a:fld id="{A9DCEFE4-7BE0-4864-874C-B8DA93E940DD}" type="datetimeFigureOut">
               <a:rPr lang="en-US" smtClean="0"/>
-              <a:t>11/14/2019</a:t>
+              <a:t>11/15/2019</a:t>
             </a:fld>
             <a:endParaRPr lang="en-US"/>
           </a:p>
@@ -1018,7 +1018,7 @@
           <a:p>
             <a:fld id="{A9DCEFE4-7BE0-4864-874C-B8DA93E940DD}" type="datetimeFigureOut">
               <a:rPr lang="en-US" smtClean="0"/>
-              <a:t>11/14/2019</a:t>
+              <a:t>11/15/2019</a:t>
             </a:fld>
             <a:endParaRPr lang="en-US"/>
           </a:p>
@@ -1250,7 +1250,7 @@
           <a:p>
             <a:fld id="{A9DCEFE4-7BE0-4864-874C-B8DA93E940DD}" type="datetimeFigureOut">
               <a:rPr lang="en-US" smtClean="0"/>
-              <a:t>11/14/2019</a:t>
+              <a:t>11/15/2019</a:t>
             </a:fld>
             <a:endParaRPr lang="en-US"/>
           </a:p>
@@ -1617,7 +1617,7 @@
           <a:p>
             <a:fld id="{A9DCEFE4-7BE0-4864-874C-B8DA93E940DD}" type="datetimeFigureOut">
               <a:rPr lang="en-US" smtClean="0"/>
-              <a:t>11/14/2019</a:t>
+              <a:t>11/15/2019</a:t>
             </a:fld>
             <a:endParaRPr lang="en-US"/>
           </a:p>
@@ -1735,7 +1735,7 @@
           <a:p>
             <a:fld id="{A9DCEFE4-7BE0-4864-874C-B8DA93E940DD}" type="datetimeFigureOut">
               <a:rPr lang="en-US" smtClean="0"/>
-              <a:t>11/14/2019</a:t>
+              <a:t>11/15/2019</a:t>
             </a:fld>
             <a:endParaRPr lang="en-US"/>
           </a:p>
@@ -1830,7 +1830,7 @@
           <a:p>
             <a:fld id="{A9DCEFE4-7BE0-4864-874C-B8DA93E940DD}" type="datetimeFigureOut">
               <a:rPr lang="en-US" smtClean="0"/>
-              <a:t>11/14/2019</a:t>
+              <a:t>11/15/2019</a:t>
             </a:fld>
             <a:endParaRPr lang="en-US"/>
           </a:p>
@@ -2107,7 +2107,7 @@
           <a:p>
             <a:fld id="{A9DCEFE4-7BE0-4864-874C-B8DA93E940DD}" type="datetimeFigureOut">
               <a:rPr lang="en-US" smtClean="0"/>
-              <a:t>11/14/2019</a:t>
+              <a:t>11/15/2019</a:t>
             </a:fld>
             <a:endParaRPr lang="en-US"/>
           </a:p>
@@ -2364,7 +2364,7 @@
           <a:p>
             <a:fld id="{A9DCEFE4-7BE0-4864-874C-B8DA93E940DD}" type="datetimeFigureOut">
               <a:rPr lang="en-US" smtClean="0"/>
-              <a:t>11/14/2019</a:t>
+              <a:t>11/15/2019</a:t>
             </a:fld>
             <a:endParaRPr lang="en-US"/>
           </a:p>
@@ -2577,7 +2577,7 @@
           <a:p>
             <a:fld id="{A9DCEFE4-7BE0-4864-874C-B8DA93E940DD}" type="datetimeFigureOut">
               <a:rPr lang="en-US" smtClean="0"/>
-              <a:t>11/14/2019</a:t>
+              <a:t>11/15/2019</a:t>
             </a:fld>
             <a:endParaRPr lang="en-US"/>
           </a:p>
@@ -2994,19 +2994,25 @@
         </p:nvSpPr>
         <p:spPr>
           <a:xfrm>
-            <a:off x="17754600" y="1828800"/>
-            <a:ext cx="10363200" cy="1531618"/>
+            <a:off x="16681174" y="762000"/>
+            <a:ext cx="10363200" cy="2590800"/>
           </a:xfrm>
         </p:spPr>
         <p:txBody>
           <a:bodyPr>
-            <a:normAutofit/>
+            <a:normAutofit fontScale="92500" lnSpcReduction="20000"/>
           </a:bodyPr>
           <a:lstStyle/>
           <a:p>
             <a:r>
               <a:rPr lang="en-US" sz="9600" dirty="0"/>
               <a:t>Team 7 Mothership</a:t>
+            </a:r>
+          </a:p>
+          <a:p>
+            <a:r>
+              <a:rPr lang="en-US" sz="8000" dirty="0"/>
+              <a:t>Names</a:t>
             </a:r>
           </a:p>
         </p:txBody>
@@ -3021,16 +3027,21 @@
         </p:nvSpPr>
         <p:spPr>
           <a:xfrm>
-            <a:off x="0" y="3360418"/>
-            <a:ext cx="10363200" cy="4640582"/>
+            <a:off x="0" y="4267200"/>
+            <a:ext cx="10287000" cy="5354748"/>
           </a:xfrm>
           <a:prstGeom prst="rect">
             <a:avLst/>
           </a:prstGeom>
+          <a:ln>
+            <a:solidFill>
+              <a:schemeClr val="tx1"/>
+            </a:solidFill>
+          </a:ln>
         </p:spPr>
         <p:txBody>
           <a:bodyPr vert="horz" lIns="91440" tIns="45720" rIns="91440" bIns="45720" rtlCol="0">
-            <a:normAutofit/>
+            <a:normAutofit fontScale="92500" lnSpcReduction="10000"/>
           </a:bodyPr>
           <a:lstStyle>
             <a:lvl1pPr marL="0" indent="0" algn="ctr" defTabSz="4389120" rtl="0" eaLnBrk="1" latinLnBrk="0" hangingPunct="1">
@@ -3202,6 +3213,12 @@
               <a:t>Something about back ground of project</a:t>
             </a:r>
           </a:p>
+          <a:p>
+            <a:r>
+              <a:rPr lang="en-US" sz="9600" dirty="0"/>
+              <a:t>Veronica</a:t>
+            </a:r>
+          </a:p>
         </p:txBody>
       </p:sp>
       <p:sp>
@@ -3214,12 +3231,17 @@
         </p:nvSpPr>
         <p:spPr>
           <a:xfrm>
-            <a:off x="10363200" y="3360418"/>
-            <a:ext cx="23151548" cy="12793982"/>
+            <a:off x="10287000" y="4267200"/>
+            <a:ext cx="23151548" cy="14762922"/>
           </a:xfrm>
           <a:prstGeom prst="rect">
             <a:avLst/>
           </a:prstGeom>
+          <a:ln>
+            <a:solidFill>
+              <a:schemeClr val="tx1"/>
+            </a:solidFill>
+          </a:ln>
         </p:spPr>
         <p:txBody>
           <a:bodyPr vert="horz" lIns="91440" tIns="45720" rIns="91440" bIns="45720" rtlCol="0" anchor="ctr">
@@ -3395,6 +3417,15 @@
               <a:t>*Picture of Mothership</a:t>
             </a:r>
           </a:p>
+          <a:p>
+            <a:endParaRPr lang="en-US" sz="6000" dirty="0"/>
+          </a:p>
+          <a:p>
+            <a:r>
+              <a:rPr lang="en-US" sz="6000" dirty="0"/>
+              <a:t>Sarah</a:t>
+            </a:r>
+          </a:p>
         </p:txBody>
       </p:sp>
       <p:sp>
@@ -3407,12 +3438,17 @@
         </p:nvSpPr>
         <p:spPr>
           <a:xfrm>
-            <a:off x="10363200" y="16154400"/>
-            <a:ext cx="23151548" cy="8534400"/>
+            <a:off x="10287000" y="19050000"/>
+            <a:ext cx="7873448" cy="12793982"/>
           </a:xfrm>
           <a:prstGeom prst="rect">
             <a:avLst/>
           </a:prstGeom>
+          <a:ln>
+            <a:solidFill>
+              <a:schemeClr val="tx1"/>
+            </a:solidFill>
+          </a:ln>
         </p:spPr>
         <p:txBody>
           <a:bodyPr vert="horz" lIns="91440" tIns="45720" rIns="91440" bIns="45720" rtlCol="0" anchor="ctr">
@@ -3585,7 +3621,16 @@
           <a:p>
             <a:r>
               <a:rPr lang="en-US" sz="9600" dirty="0"/>
-              <a:t>*Graphs and Shit about aero performance and maybe prop stuff or stability stuff*</a:t>
+              <a:t>Graphs about Aero and write up about aero</a:t>
+            </a:r>
+          </a:p>
+          <a:p>
+            <a:endParaRPr lang="en-US" sz="9600" dirty="0"/>
+          </a:p>
+          <a:p>
+            <a:r>
+              <a:rPr lang="en-US" sz="9600" dirty="0"/>
+              <a:t>Elias</a:t>
             </a:r>
           </a:p>
         </p:txBody>
@@ -3600,7 +3645,7 @@
         </p:nvSpPr>
         <p:spPr>
           <a:xfrm>
-            <a:off x="33494870" y="3360418"/>
+            <a:off x="33418670" y="4267200"/>
             <a:ext cx="10363200" cy="12793982"/>
           </a:xfrm>
           <a:prstGeom prst="rect">
@@ -3776,10 +3821,6 @@
             </a:lvl9pPr>
           </a:lstStyle>
           <a:p>
-            <a:r>
-              <a:rPr lang="en-US" sz="9600"/>
-              <a:t>something else here</a:t>
-            </a:r>
             <a:endParaRPr lang="en-US" sz="9600" dirty="0"/>
           </a:p>
         </p:txBody>
@@ -3794,12 +3835,17 @@
         </p:nvSpPr>
         <p:spPr>
           <a:xfrm>
-            <a:off x="33488244" y="16154400"/>
-            <a:ext cx="10363200" cy="12793982"/>
+            <a:off x="33438548" y="4267200"/>
+            <a:ext cx="10452652" cy="14774391"/>
           </a:xfrm>
           <a:prstGeom prst="rect">
             <a:avLst/>
           </a:prstGeom>
+          <a:ln>
+            <a:solidFill>
+              <a:schemeClr val="tx1"/>
+            </a:solidFill>
+          </a:ln>
         </p:spPr>
         <p:txBody>
           <a:bodyPr vert="horz" lIns="91440" tIns="45720" rIns="91440" bIns="45720" rtlCol="0">
@@ -3972,7 +4018,19 @@
           <a:p>
             <a:r>
               <a:rPr lang="en-US" sz="9600" dirty="0"/>
-              <a:t>Something about the interface mechanism</a:t>
+              <a:t>Interface Mechanism with picture and write up</a:t>
+            </a:r>
+          </a:p>
+          <a:p>
+            <a:endParaRPr lang="en-US" sz="9600" dirty="0"/>
+          </a:p>
+          <a:p>
+            <a:endParaRPr lang="en-US" sz="9600" dirty="0"/>
+          </a:p>
+          <a:p>
+            <a:r>
+              <a:rPr lang="en-US" sz="9600" dirty="0"/>
+              <a:t>Brad</a:t>
             </a:r>
           </a:p>
         </p:txBody>
@@ -3987,12 +4045,17 @@
         </p:nvSpPr>
         <p:spPr>
           <a:xfrm>
-            <a:off x="-13252" y="8001000"/>
-            <a:ext cx="10363200" cy="4640582"/>
+            <a:off x="0" y="9621948"/>
+            <a:ext cx="10287000" cy="9408174"/>
           </a:xfrm>
           <a:prstGeom prst="rect">
             <a:avLst/>
           </a:prstGeom>
+          <a:ln>
+            <a:solidFill>
+              <a:schemeClr val="tx1"/>
+            </a:solidFill>
+          </a:ln>
         </p:spPr>
         <p:txBody>
           <a:bodyPr vert="horz" lIns="91440" tIns="45720" rIns="91440" bIns="45720" rtlCol="0" anchor="ctr">
@@ -4167,6 +4230,847 @@
               <a:rPr lang="en-US" sz="9600" dirty="0"/>
               <a:t>Walk around</a:t>
             </a:r>
+          </a:p>
+          <a:p>
+            <a:endParaRPr lang="en-US" sz="9600" dirty="0"/>
+          </a:p>
+          <a:p>
+            <a:r>
+              <a:rPr lang="en-US" sz="9600" dirty="0"/>
+              <a:t>Sarah</a:t>
+            </a:r>
+          </a:p>
+        </p:txBody>
+      </p:sp>
+      <p:sp>
+        <p:nvSpPr>
+          <p:cNvPr id="11" name="Subtitle 2"/>
+          <p:cNvSpPr txBox="1">
+            <a:spLocks/>
+          </p:cNvSpPr>
+          <p:nvPr/>
+        </p:nvSpPr>
+        <p:spPr>
+          <a:xfrm>
+            <a:off x="26014018" y="19050000"/>
+            <a:ext cx="7424530" cy="12793982"/>
+          </a:xfrm>
+          <a:prstGeom prst="rect">
+            <a:avLst/>
+          </a:prstGeom>
+          <a:ln>
+            <a:solidFill>
+              <a:schemeClr val="tx1"/>
+            </a:solidFill>
+          </a:ln>
+        </p:spPr>
+        <p:txBody>
+          <a:bodyPr vert="horz" lIns="91440" tIns="45720" rIns="91440" bIns="45720" rtlCol="0" anchor="ctr">
+            <a:normAutofit/>
+          </a:bodyPr>
+          <a:lstStyle>
+            <a:lvl1pPr marL="0" indent="0" algn="ctr" defTabSz="4389120" rtl="0" eaLnBrk="1" latinLnBrk="0" hangingPunct="1">
+              <a:lnSpc>
+                <a:spcPct val="90000"/>
+              </a:lnSpc>
+              <a:spcBef>
+                <a:spcPts val="4800"/>
+              </a:spcBef>
+              <a:buFont typeface="Arial" panose="020B0604020202020204" pitchFamily="34" charset="0"/>
+              <a:buNone/>
+              <a:defRPr sz="11520" kern="1200">
+                <a:solidFill>
+                  <a:schemeClr val="tx1"/>
+                </a:solidFill>
+                <a:latin typeface="+mn-lt"/>
+                <a:ea typeface="+mn-ea"/>
+                <a:cs typeface="+mn-cs"/>
+              </a:defRPr>
+            </a:lvl1pPr>
+            <a:lvl2pPr marL="2194560" indent="0" algn="ctr" defTabSz="4389120" rtl="0" eaLnBrk="1" latinLnBrk="0" hangingPunct="1">
+              <a:lnSpc>
+                <a:spcPct val="90000"/>
+              </a:lnSpc>
+              <a:spcBef>
+                <a:spcPts val="2400"/>
+              </a:spcBef>
+              <a:buFont typeface="Arial" panose="020B0604020202020204" pitchFamily="34" charset="0"/>
+              <a:buNone/>
+              <a:defRPr sz="9600" kern="1200">
+                <a:solidFill>
+                  <a:schemeClr val="tx1"/>
+                </a:solidFill>
+                <a:latin typeface="+mn-lt"/>
+                <a:ea typeface="+mn-ea"/>
+                <a:cs typeface="+mn-cs"/>
+              </a:defRPr>
+            </a:lvl2pPr>
+            <a:lvl3pPr marL="4389120" indent="0" algn="ctr" defTabSz="4389120" rtl="0" eaLnBrk="1" latinLnBrk="0" hangingPunct="1">
+              <a:lnSpc>
+                <a:spcPct val="90000"/>
+              </a:lnSpc>
+              <a:spcBef>
+                <a:spcPts val="2400"/>
+              </a:spcBef>
+              <a:buFont typeface="Arial" panose="020B0604020202020204" pitchFamily="34" charset="0"/>
+              <a:buNone/>
+              <a:defRPr sz="8640" kern="1200">
+                <a:solidFill>
+                  <a:schemeClr val="tx1"/>
+                </a:solidFill>
+                <a:latin typeface="+mn-lt"/>
+                <a:ea typeface="+mn-ea"/>
+                <a:cs typeface="+mn-cs"/>
+              </a:defRPr>
+            </a:lvl3pPr>
+            <a:lvl4pPr marL="6583680" indent="0" algn="ctr" defTabSz="4389120" rtl="0" eaLnBrk="1" latinLnBrk="0" hangingPunct="1">
+              <a:lnSpc>
+                <a:spcPct val="90000"/>
+              </a:lnSpc>
+              <a:spcBef>
+                <a:spcPts val="2400"/>
+              </a:spcBef>
+              <a:buFont typeface="Arial" panose="020B0604020202020204" pitchFamily="34" charset="0"/>
+              <a:buNone/>
+              <a:defRPr sz="7680" kern="1200">
+                <a:solidFill>
+                  <a:schemeClr val="tx1"/>
+                </a:solidFill>
+                <a:latin typeface="+mn-lt"/>
+                <a:ea typeface="+mn-ea"/>
+                <a:cs typeface="+mn-cs"/>
+              </a:defRPr>
+            </a:lvl4pPr>
+            <a:lvl5pPr marL="8778240" indent="0" algn="ctr" defTabSz="4389120" rtl="0" eaLnBrk="1" latinLnBrk="0" hangingPunct="1">
+              <a:lnSpc>
+                <a:spcPct val="90000"/>
+              </a:lnSpc>
+              <a:spcBef>
+                <a:spcPts val="2400"/>
+              </a:spcBef>
+              <a:buFont typeface="Arial" panose="020B0604020202020204" pitchFamily="34" charset="0"/>
+              <a:buNone/>
+              <a:defRPr sz="7680" kern="1200">
+                <a:solidFill>
+                  <a:schemeClr val="tx1"/>
+                </a:solidFill>
+                <a:latin typeface="+mn-lt"/>
+                <a:ea typeface="+mn-ea"/>
+                <a:cs typeface="+mn-cs"/>
+              </a:defRPr>
+            </a:lvl5pPr>
+            <a:lvl6pPr marL="10972800" indent="0" algn="ctr" defTabSz="4389120" rtl="0" eaLnBrk="1" latinLnBrk="0" hangingPunct="1">
+              <a:lnSpc>
+                <a:spcPct val="90000"/>
+              </a:lnSpc>
+              <a:spcBef>
+                <a:spcPts val="2400"/>
+              </a:spcBef>
+              <a:buFont typeface="Arial" panose="020B0604020202020204" pitchFamily="34" charset="0"/>
+              <a:buNone/>
+              <a:defRPr sz="7680" kern="1200">
+                <a:solidFill>
+                  <a:schemeClr val="tx1"/>
+                </a:solidFill>
+                <a:latin typeface="+mn-lt"/>
+                <a:ea typeface="+mn-ea"/>
+                <a:cs typeface="+mn-cs"/>
+              </a:defRPr>
+            </a:lvl6pPr>
+            <a:lvl7pPr marL="13167360" indent="0" algn="ctr" defTabSz="4389120" rtl="0" eaLnBrk="1" latinLnBrk="0" hangingPunct="1">
+              <a:lnSpc>
+                <a:spcPct val="90000"/>
+              </a:lnSpc>
+              <a:spcBef>
+                <a:spcPts val="2400"/>
+              </a:spcBef>
+              <a:buFont typeface="Arial" panose="020B0604020202020204" pitchFamily="34" charset="0"/>
+              <a:buNone/>
+              <a:defRPr sz="7680" kern="1200">
+                <a:solidFill>
+                  <a:schemeClr val="tx1"/>
+                </a:solidFill>
+                <a:latin typeface="+mn-lt"/>
+                <a:ea typeface="+mn-ea"/>
+                <a:cs typeface="+mn-cs"/>
+              </a:defRPr>
+            </a:lvl7pPr>
+            <a:lvl8pPr marL="15361920" indent="0" algn="ctr" defTabSz="4389120" rtl="0" eaLnBrk="1" latinLnBrk="0" hangingPunct="1">
+              <a:lnSpc>
+                <a:spcPct val="90000"/>
+              </a:lnSpc>
+              <a:spcBef>
+                <a:spcPts val="2400"/>
+              </a:spcBef>
+              <a:buFont typeface="Arial" panose="020B0604020202020204" pitchFamily="34" charset="0"/>
+              <a:buNone/>
+              <a:defRPr sz="7680" kern="1200">
+                <a:solidFill>
+                  <a:schemeClr val="tx1"/>
+                </a:solidFill>
+                <a:latin typeface="+mn-lt"/>
+                <a:ea typeface="+mn-ea"/>
+                <a:cs typeface="+mn-cs"/>
+              </a:defRPr>
+            </a:lvl8pPr>
+            <a:lvl9pPr marL="17556480" indent="0" algn="ctr" defTabSz="4389120" rtl="0" eaLnBrk="1" latinLnBrk="0" hangingPunct="1">
+              <a:lnSpc>
+                <a:spcPct val="90000"/>
+              </a:lnSpc>
+              <a:spcBef>
+                <a:spcPts val="2400"/>
+              </a:spcBef>
+              <a:buFont typeface="Arial" panose="020B0604020202020204" pitchFamily="34" charset="0"/>
+              <a:buNone/>
+              <a:defRPr sz="7680" kern="1200">
+                <a:solidFill>
+                  <a:schemeClr val="tx1"/>
+                </a:solidFill>
+                <a:latin typeface="+mn-lt"/>
+                <a:ea typeface="+mn-ea"/>
+                <a:cs typeface="+mn-cs"/>
+              </a:defRPr>
+            </a:lvl9pPr>
+          </a:lstStyle>
+          <a:p>
+            <a:r>
+              <a:rPr lang="en-US" sz="9600" dirty="0"/>
+              <a:t>Graphs about Prop and write up about prop</a:t>
+            </a:r>
+          </a:p>
+          <a:p>
+            <a:endParaRPr lang="en-US" sz="9600" dirty="0"/>
+          </a:p>
+          <a:p>
+            <a:r>
+              <a:rPr lang="en-US" sz="9600" dirty="0"/>
+              <a:t>Veronica</a:t>
+            </a:r>
+          </a:p>
+        </p:txBody>
+      </p:sp>
+      <p:sp>
+        <p:nvSpPr>
+          <p:cNvPr id="12" name="Subtitle 2"/>
+          <p:cNvSpPr txBox="1">
+            <a:spLocks/>
+          </p:cNvSpPr>
+          <p:nvPr/>
+        </p:nvSpPr>
+        <p:spPr>
+          <a:xfrm>
+            <a:off x="18167074" y="19050000"/>
+            <a:ext cx="7840318" cy="12813860"/>
+          </a:xfrm>
+          <a:prstGeom prst="rect">
+            <a:avLst/>
+          </a:prstGeom>
+          <a:ln>
+            <a:solidFill>
+              <a:schemeClr val="tx1"/>
+            </a:solidFill>
+          </a:ln>
+        </p:spPr>
+        <p:txBody>
+          <a:bodyPr vert="horz" lIns="91440" tIns="45720" rIns="91440" bIns="45720" rtlCol="0" anchor="ctr">
+            <a:normAutofit/>
+          </a:bodyPr>
+          <a:lstStyle>
+            <a:lvl1pPr marL="0" indent="0" algn="ctr" defTabSz="4389120" rtl="0" eaLnBrk="1" latinLnBrk="0" hangingPunct="1">
+              <a:lnSpc>
+                <a:spcPct val="90000"/>
+              </a:lnSpc>
+              <a:spcBef>
+                <a:spcPts val="4800"/>
+              </a:spcBef>
+              <a:buFont typeface="Arial" panose="020B0604020202020204" pitchFamily="34" charset="0"/>
+              <a:buNone/>
+              <a:defRPr sz="11520" kern="1200">
+                <a:solidFill>
+                  <a:schemeClr val="tx1"/>
+                </a:solidFill>
+                <a:latin typeface="+mn-lt"/>
+                <a:ea typeface="+mn-ea"/>
+                <a:cs typeface="+mn-cs"/>
+              </a:defRPr>
+            </a:lvl1pPr>
+            <a:lvl2pPr marL="2194560" indent="0" algn="ctr" defTabSz="4389120" rtl="0" eaLnBrk="1" latinLnBrk="0" hangingPunct="1">
+              <a:lnSpc>
+                <a:spcPct val="90000"/>
+              </a:lnSpc>
+              <a:spcBef>
+                <a:spcPts val="2400"/>
+              </a:spcBef>
+              <a:buFont typeface="Arial" panose="020B0604020202020204" pitchFamily="34" charset="0"/>
+              <a:buNone/>
+              <a:defRPr sz="9600" kern="1200">
+                <a:solidFill>
+                  <a:schemeClr val="tx1"/>
+                </a:solidFill>
+                <a:latin typeface="+mn-lt"/>
+                <a:ea typeface="+mn-ea"/>
+                <a:cs typeface="+mn-cs"/>
+              </a:defRPr>
+            </a:lvl2pPr>
+            <a:lvl3pPr marL="4389120" indent="0" algn="ctr" defTabSz="4389120" rtl="0" eaLnBrk="1" latinLnBrk="0" hangingPunct="1">
+              <a:lnSpc>
+                <a:spcPct val="90000"/>
+              </a:lnSpc>
+              <a:spcBef>
+                <a:spcPts val="2400"/>
+              </a:spcBef>
+              <a:buFont typeface="Arial" panose="020B0604020202020204" pitchFamily="34" charset="0"/>
+              <a:buNone/>
+              <a:defRPr sz="8640" kern="1200">
+                <a:solidFill>
+                  <a:schemeClr val="tx1"/>
+                </a:solidFill>
+                <a:latin typeface="+mn-lt"/>
+                <a:ea typeface="+mn-ea"/>
+                <a:cs typeface="+mn-cs"/>
+              </a:defRPr>
+            </a:lvl3pPr>
+            <a:lvl4pPr marL="6583680" indent="0" algn="ctr" defTabSz="4389120" rtl="0" eaLnBrk="1" latinLnBrk="0" hangingPunct="1">
+              <a:lnSpc>
+                <a:spcPct val="90000"/>
+              </a:lnSpc>
+              <a:spcBef>
+                <a:spcPts val="2400"/>
+              </a:spcBef>
+              <a:buFont typeface="Arial" panose="020B0604020202020204" pitchFamily="34" charset="0"/>
+              <a:buNone/>
+              <a:defRPr sz="7680" kern="1200">
+                <a:solidFill>
+                  <a:schemeClr val="tx1"/>
+                </a:solidFill>
+                <a:latin typeface="+mn-lt"/>
+                <a:ea typeface="+mn-ea"/>
+                <a:cs typeface="+mn-cs"/>
+              </a:defRPr>
+            </a:lvl4pPr>
+            <a:lvl5pPr marL="8778240" indent="0" algn="ctr" defTabSz="4389120" rtl="0" eaLnBrk="1" latinLnBrk="0" hangingPunct="1">
+              <a:lnSpc>
+                <a:spcPct val="90000"/>
+              </a:lnSpc>
+              <a:spcBef>
+                <a:spcPts val="2400"/>
+              </a:spcBef>
+              <a:buFont typeface="Arial" panose="020B0604020202020204" pitchFamily="34" charset="0"/>
+              <a:buNone/>
+              <a:defRPr sz="7680" kern="1200">
+                <a:solidFill>
+                  <a:schemeClr val="tx1"/>
+                </a:solidFill>
+                <a:latin typeface="+mn-lt"/>
+                <a:ea typeface="+mn-ea"/>
+                <a:cs typeface="+mn-cs"/>
+              </a:defRPr>
+            </a:lvl5pPr>
+            <a:lvl6pPr marL="10972800" indent="0" algn="ctr" defTabSz="4389120" rtl="0" eaLnBrk="1" latinLnBrk="0" hangingPunct="1">
+              <a:lnSpc>
+                <a:spcPct val="90000"/>
+              </a:lnSpc>
+              <a:spcBef>
+                <a:spcPts val="2400"/>
+              </a:spcBef>
+              <a:buFont typeface="Arial" panose="020B0604020202020204" pitchFamily="34" charset="0"/>
+              <a:buNone/>
+              <a:defRPr sz="7680" kern="1200">
+                <a:solidFill>
+                  <a:schemeClr val="tx1"/>
+                </a:solidFill>
+                <a:latin typeface="+mn-lt"/>
+                <a:ea typeface="+mn-ea"/>
+                <a:cs typeface="+mn-cs"/>
+              </a:defRPr>
+            </a:lvl6pPr>
+            <a:lvl7pPr marL="13167360" indent="0" algn="ctr" defTabSz="4389120" rtl="0" eaLnBrk="1" latinLnBrk="0" hangingPunct="1">
+              <a:lnSpc>
+                <a:spcPct val="90000"/>
+              </a:lnSpc>
+              <a:spcBef>
+                <a:spcPts val="2400"/>
+              </a:spcBef>
+              <a:buFont typeface="Arial" panose="020B0604020202020204" pitchFamily="34" charset="0"/>
+              <a:buNone/>
+              <a:defRPr sz="7680" kern="1200">
+                <a:solidFill>
+                  <a:schemeClr val="tx1"/>
+                </a:solidFill>
+                <a:latin typeface="+mn-lt"/>
+                <a:ea typeface="+mn-ea"/>
+                <a:cs typeface="+mn-cs"/>
+              </a:defRPr>
+            </a:lvl7pPr>
+            <a:lvl8pPr marL="15361920" indent="0" algn="ctr" defTabSz="4389120" rtl="0" eaLnBrk="1" latinLnBrk="0" hangingPunct="1">
+              <a:lnSpc>
+                <a:spcPct val="90000"/>
+              </a:lnSpc>
+              <a:spcBef>
+                <a:spcPts val="2400"/>
+              </a:spcBef>
+              <a:buFont typeface="Arial" panose="020B0604020202020204" pitchFamily="34" charset="0"/>
+              <a:buNone/>
+              <a:defRPr sz="7680" kern="1200">
+                <a:solidFill>
+                  <a:schemeClr val="tx1"/>
+                </a:solidFill>
+                <a:latin typeface="+mn-lt"/>
+                <a:ea typeface="+mn-ea"/>
+                <a:cs typeface="+mn-cs"/>
+              </a:defRPr>
+            </a:lvl8pPr>
+            <a:lvl9pPr marL="17556480" indent="0" algn="ctr" defTabSz="4389120" rtl="0" eaLnBrk="1" latinLnBrk="0" hangingPunct="1">
+              <a:lnSpc>
+                <a:spcPct val="90000"/>
+              </a:lnSpc>
+              <a:spcBef>
+                <a:spcPts val="2400"/>
+              </a:spcBef>
+              <a:buFont typeface="Arial" panose="020B0604020202020204" pitchFamily="34" charset="0"/>
+              <a:buNone/>
+              <a:defRPr sz="7680" kern="1200">
+                <a:solidFill>
+                  <a:schemeClr val="tx1"/>
+                </a:solidFill>
+                <a:latin typeface="+mn-lt"/>
+                <a:ea typeface="+mn-ea"/>
+                <a:cs typeface="+mn-cs"/>
+              </a:defRPr>
+            </a:lvl9pPr>
+          </a:lstStyle>
+          <a:p>
+            <a:r>
+              <a:rPr lang="en-US" sz="9600" dirty="0"/>
+              <a:t>Graphs about Stability and write up about Stability</a:t>
+            </a:r>
+          </a:p>
+          <a:p>
+            <a:endParaRPr lang="en-US" sz="9600" dirty="0"/>
+          </a:p>
+          <a:p>
+            <a:r>
+              <a:rPr lang="en-US" sz="9600" dirty="0"/>
+              <a:t>Elias</a:t>
+            </a:r>
+          </a:p>
+        </p:txBody>
+      </p:sp>
+      <p:sp>
+        <p:nvSpPr>
+          <p:cNvPr id="13" name="Subtitle 2"/>
+          <p:cNvSpPr txBox="1">
+            <a:spLocks/>
+          </p:cNvSpPr>
+          <p:nvPr/>
+        </p:nvSpPr>
+        <p:spPr>
+          <a:xfrm>
+            <a:off x="-1" y="19059939"/>
+            <a:ext cx="10311847" cy="12803921"/>
+          </a:xfrm>
+          <a:prstGeom prst="rect">
+            <a:avLst/>
+          </a:prstGeom>
+          <a:ln>
+            <a:solidFill>
+              <a:schemeClr val="tx1"/>
+            </a:solidFill>
+          </a:ln>
+        </p:spPr>
+        <p:txBody>
+          <a:bodyPr vert="horz" lIns="91440" tIns="45720" rIns="91440" bIns="45720" rtlCol="0">
+            <a:normAutofit/>
+          </a:bodyPr>
+          <a:lstStyle>
+            <a:lvl1pPr marL="0" indent="0" algn="ctr" defTabSz="4389120" rtl="0" eaLnBrk="1" latinLnBrk="0" hangingPunct="1">
+              <a:lnSpc>
+                <a:spcPct val="90000"/>
+              </a:lnSpc>
+              <a:spcBef>
+                <a:spcPts val="4800"/>
+              </a:spcBef>
+              <a:buFont typeface="Arial" panose="020B0604020202020204" pitchFamily="34" charset="0"/>
+              <a:buNone/>
+              <a:defRPr sz="11520" kern="1200">
+                <a:solidFill>
+                  <a:schemeClr val="tx1"/>
+                </a:solidFill>
+                <a:latin typeface="+mn-lt"/>
+                <a:ea typeface="+mn-ea"/>
+                <a:cs typeface="+mn-cs"/>
+              </a:defRPr>
+            </a:lvl1pPr>
+            <a:lvl2pPr marL="2194560" indent="0" algn="ctr" defTabSz="4389120" rtl="0" eaLnBrk="1" latinLnBrk="0" hangingPunct="1">
+              <a:lnSpc>
+                <a:spcPct val="90000"/>
+              </a:lnSpc>
+              <a:spcBef>
+                <a:spcPts val="2400"/>
+              </a:spcBef>
+              <a:buFont typeface="Arial" panose="020B0604020202020204" pitchFamily="34" charset="0"/>
+              <a:buNone/>
+              <a:defRPr sz="9600" kern="1200">
+                <a:solidFill>
+                  <a:schemeClr val="tx1"/>
+                </a:solidFill>
+                <a:latin typeface="+mn-lt"/>
+                <a:ea typeface="+mn-ea"/>
+                <a:cs typeface="+mn-cs"/>
+              </a:defRPr>
+            </a:lvl2pPr>
+            <a:lvl3pPr marL="4389120" indent="0" algn="ctr" defTabSz="4389120" rtl="0" eaLnBrk="1" latinLnBrk="0" hangingPunct="1">
+              <a:lnSpc>
+                <a:spcPct val="90000"/>
+              </a:lnSpc>
+              <a:spcBef>
+                <a:spcPts val="2400"/>
+              </a:spcBef>
+              <a:buFont typeface="Arial" panose="020B0604020202020204" pitchFamily="34" charset="0"/>
+              <a:buNone/>
+              <a:defRPr sz="8640" kern="1200">
+                <a:solidFill>
+                  <a:schemeClr val="tx1"/>
+                </a:solidFill>
+                <a:latin typeface="+mn-lt"/>
+                <a:ea typeface="+mn-ea"/>
+                <a:cs typeface="+mn-cs"/>
+              </a:defRPr>
+            </a:lvl3pPr>
+            <a:lvl4pPr marL="6583680" indent="0" algn="ctr" defTabSz="4389120" rtl="0" eaLnBrk="1" latinLnBrk="0" hangingPunct="1">
+              <a:lnSpc>
+                <a:spcPct val="90000"/>
+              </a:lnSpc>
+              <a:spcBef>
+                <a:spcPts val="2400"/>
+              </a:spcBef>
+              <a:buFont typeface="Arial" panose="020B0604020202020204" pitchFamily="34" charset="0"/>
+              <a:buNone/>
+              <a:defRPr sz="7680" kern="1200">
+                <a:solidFill>
+                  <a:schemeClr val="tx1"/>
+                </a:solidFill>
+                <a:latin typeface="+mn-lt"/>
+                <a:ea typeface="+mn-ea"/>
+                <a:cs typeface="+mn-cs"/>
+              </a:defRPr>
+            </a:lvl4pPr>
+            <a:lvl5pPr marL="8778240" indent="0" algn="ctr" defTabSz="4389120" rtl="0" eaLnBrk="1" latinLnBrk="0" hangingPunct="1">
+              <a:lnSpc>
+                <a:spcPct val="90000"/>
+              </a:lnSpc>
+              <a:spcBef>
+                <a:spcPts val="2400"/>
+              </a:spcBef>
+              <a:buFont typeface="Arial" panose="020B0604020202020204" pitchFamily="34" charset="0"/>
+              <a:buNone/>
+              <a:defRPr sz="7680" kern="1200">
+                <a:solidFill>
+                  <a:schemeClr val="tx1"/>
+                </a:solidFill>
+                <a:latin typeface="+mn-lt"/>
+                <a:ea typeface="+mn-ea"/>
+                <a:cs typeface="+mn-cs"/>
+              </a:defRPr>
+            </a:lvl5pPr>
+            <a:lvl6pPr marL="10972800" indent="0" algn="ctr" defTabSz="4389120" rtl="0" eaLnBrk="1" latinLnBrk="0" hangingPunct="1">
+              <a:lnSpc>
+                <a:spcPct val="90000"/>
+              </a:lnSpc>
+              <a:spcBef>
+                <a:spcPts val="2400"/>
+              </a:spcBef>
+              <a:buFont typeface="Arial" panose="020B0604020202020204" pitchFamily="34" charset="0"/>
+              <a:buNone/>
+              <a:defRPr sz="7680" kern="1200">
+                <a:solidFill>
+                  <a:schemeClr val="tx1"/>
+                </a:solidFill>
+                <a:latin typeface="+mn-lt"/>
+                <a:ea typeface="+mn-ea"/>
+                <a:cs typeface="+mn-cs"/>
+              </a:defRPr>
+            </a:lvl6pPr>
+            <a:lvl7pPr marL="13167360" indent="0" algn="ctr" defTabSz="4389120" rtl="0" eaLnBrk="1" latinLnBrk="0" hangingPunct="1">
+              <a:lnSpc>
+                <a:spcPct val="90000"/>
+              </a:lnSpc>
+              <a:spcBef>
+                <a:spcPts val="2400"/>
+              </a:spcBef>
+              <a:buFont typeface="Arial" panose="020B0604020202020204" pitchFamily="34" charset="0"/>
+              <a:buNone/>
+              <a:defRPr sz="7680" kern="1200">
+                <a:solidFill>
+                  <a:schemeClr val="tx1"/>
+                </a:solidFill>
+                <a:latin typeface="+mn-lt"/>
+                <a:ea typeface="+mn-ea"/>
+                <a:cs typeface="+mn-cs"/>
+              </a:defRPr>
+            </a:lvl7pPr>
+            <a:lvl8pPr marL="15361920" indent="0" algn="ctr" defTabSz="4389120" rtl="0" eaLnBrk="1" latinLnBrk="0" hangingPunct="1">
+              <a:lnSpc>
+                <a:spcPct val="90000"/>
+              </a:lnSpc>
+              <a:spcBef>
+                <a:spcPts val="2400"/>
+              </a:spcBef>
+              <a:buFont typeface="Arial" panose="020B0604020202020204" pitchFamily="34" charset="0"/>
+              <a:buNone/>
+              <a:defRPr sz="7680" kern="1200">
+                <a:solidFill>
+                  <a:schemeClr val="tx1"/>
+                </a:solidFill>
+                <a:latin typeface="+mn-lt"/>
+                <a:ea typeface="+mn-ea"/>
+                <a:cs typeface="+mn-cs"/>
+              </a:defRPr>
+            </a:lvl8pPr>
+            <a:lvl9pPr marL="17556480" indent="0" algn="ctr" defTabSz="4389120" rtl="0" eaLnBrk="1" latinLnBrk="0" hangingPunct="1">
+              <a:lnSpc>
+                <a:spcPct val="90000"/>
+              </a:lnSpc>
+              <a:spcBef>
+                <a:spcPts val="2400"/>
+              </a:spcBef>
+              <a:buFont typeface="Arial" panose="020B0604020202020204" pitchFamily="34" charset="0"/>
+              <a:buNone/>
+              <a:defRPr sz="7680" kern="1200">
+                <a:solidFill>
+                  <a:schemeClr val="tx1"/>
+                </a:solidFill>
+                <a:latin typeface="+mn-lt"/>
+                <a:ea typeface="+mn-ea"/>
+                <a:cs typeface="+mn-cs"/>
+              </a:defRPr>
+            </a:lvl9pPr>
+          </a:lstStyle>
+          <a:p>
+            <a:r>
+              <a:rPr lang="en-US" sz="9600" dirty="0"/>
+              <a:t>Fuselage interior</a:t>
+            </a:r>
+          </a:p>
+          <a:p>
+            <a:endParaRPr lang="en-US" sz="9600" dirty="0"/>
+          </a:p>
+          <a:p>
+            <a:endParaRPr lang="en-US" sz="9600" dirty="0"/>
+          </a:p>
+          <a:p>
+            <a:r>
+              <a:rPr lang="en-US" sz="9600" dirty="0"/>
+              <a:t>Sean</a:t>
+            </a:r>
+          </a:p>
+        </p:txBody>
+      </p:sp>
+      <p:sp>
+        <p:nvSpPr>
+          <p:cNvPr id="14" name="Subtitle 2"/>
+          <p:cNvSpPr txBox="1">
+            <a:spLocks/>
+          </p:cNvSpPr>
+          <p:nvPr/>
+        </p:nvSpPr>
+        <p:spPr>
+          <a:xfrm>
+            <a:off x="33445174" y="19059939"/>
+            <a:ext cx="10446026" cy="12803921"/>
+          </a:xfrm>
+          <a:prstGeom prst="rect">
+            <a:avLst/>
+          </a:prstGeom>
+          <a:ln>
+            <a:solidFill>
+              <a:schemeClr val="tx1"/>
+            </a:solidFill>
+          </a:ln>
+        </p:spPr>
+        <p:txBody>
+          <a:bodyPr vert="horz" lIns="91440" tIns="45720" rIns="91440" bIns="45720" rtlCol="0">
+            <a:normAutofit/>
+          </a:bodyPr>
+          <a:lstStyle>
+            <a:lvl1pPr marL="0" indent="0" algn="ctr" defTabSz="4389120" rtl="0" eaLnBrk="1" latinLnBrk="0" hangingPunct="1">
+              <a:lnSpc>
+                <a:spcPct val="90000"/>
+              </a:lnSpc>
+              <a:spcBef>
+                <a:spcPts val="4800"/>
+              </a:spcBef>
+              <a:buFont typeface="Arial" panose="020B0604020202020204" pitchFamily="34" charset="0"/>
+              <a:buNone/>
+              <a:defRPr sz="11520" kern="1200">
+                <a:solidFill>
+                  <a:schemeClr val="tx1"/>
+                </a:solidFill>
+                <a:latin typeface="+mn-lt"/>
+                <a:ea typeface="+mn-ea"/>
+                <a:cs typeface="+mn-cs"/>
+              </a:defRPr>
+            </a:lvl1pPr>
+            <a:lvl2pPr marL="2194560" indent="0" algn="ctr" defTabSz="4389120" rtl="0" eaLnBrk="1" latinLnBrk="0" hangingPunct="1">
+              <a:lnSpc>
+                <a:spcPct val="90000"/>
+              </a:lnSpc>
+              <a:spcBef>
+                <a:spcPts val="2400"/>
+              </a:spcBef>
+              <a:buFont typeface="Arial" panose="020B0604020202020204" pitchFamily="34" charset="0"/>
+              <a:buNone/>
+              <a:defRPr sz="9600" kern="1200">
+                <a:solidFill>
+                  <a:schemeClr val="tx1"/>
+                </a:solidFill>
+                <a:latin typeface="+mn-lt"/>
+                <a:ea typeface="+mn-ea"/>
+                <a:cs typeface="+mn-cs"/>
+              </a:defRPr>
+            </a:lvl2pPr>
+            <a:lvl3pPr marL="4389120" indent="0" algn="ctr" defTabSz="4389120" rtl="0" eaLnBrk="1" latinLnBrk="0" hangingPunct="1">
+              <a:lnSpc>
+                <a:spcPct val="90000"/>
+              </a:lnSpc>
+              <a:spcBef>
+                <a:spcPts val="2400"/>
+              </a:spcBef>
+              <a:buFont typeface="Arial" panose="020B0604020202020204" pitchFamily="34" charset="0"/>
+              <a:buNone/>
+              <a:defRPr sz="8640" kern="1200">
+                <a:solidFill>
+                  <a:schemeClr val="tx1"/>
+                </a:solidFill>
+                <a:latin typeface="+mn-lt"/>
+                <a:ea typeface="+mn-ea"/>
+                <a:cs typeface="+mn-cs"/>
+              </a:defRPr>
+            </a:lvl3pPr>
+            <a:lvl4pPr marL="6583680" indent="0" algn="ctr" defTabSz="4389120" rtl="0" eaLnBrk="1" latinLnBrk="0" hangingPunct="1">
+              <a:lnSpc>
+                <a:spcPct val="90000"/>
+              </a:lnSpc>
+              <a:spcBef>
+                <a:spcPts val="2400"/>
+              </a:spcBef>
+              <a:buFont typeface="Arial" panose="020B0604020202020204" pitchFamily="34" charset="0"/>
+              <a:buNone/>
+              <a:defRPr sz="7680" kern="1200">
+                <a:solidFill>
+                  <a:schemeClr val="tx1"/>
+                </a:solidFill>
+                <a:latin typeface="+mn-lt"/>
+                <a:ea typeface="+mn-ea"/>
+                <a:cs typeface="+mn-cs"/>
+              </a:defRPr>
+            </a:lvl4pPr>
+            <a:lvl5pPr marL="8778240" indent="0" algn="ctr" defTabSz="4389120" rtl="0" eaLnBrk="1" latinLnBrk="0" hangingPunct="1">
+              <a:lnSpc>
+                <a:spcPct val="90000"/>
+              </a:lnSpc>
+              <a:spcBef>
+                <a:spcPts val="2400"/>
+              </a:spcBef>
+              <a:buFont typeface="Arial" panose="020B0604020202020204" pitchFamily="34" charset="0"/>
+              <a:buNone/>
+              <a:defRPr sz="7680" kern="1200">
+                <a:solidFill>
+                  <a:schemeClr val="tx1"/>
+                </a:solidFill>
+                <a:latin typeface="+mn-lt"/>
+                <a:ea typeface="+mn-ea"/>
+                <a:cs typeface="+mn-cs"/>
+              </a:defRPr>
+            </a:lvl5pPr>
+            <a:lvl6pPr marL="10972800" indent="0" algn="ctr" defTabSz="4389120" rtl="0" eaLnBrk="1" latinLnBrk="0" hangingPunct="1">
+              <a:lnSpc>
+                <a:spcPct val="90000"/>
+              </a:lnSpc>
+              <a:spcBef>
+                <a:spcPts val="2400"/>
+              </a:spcBef>
+              <a:buFont typeface="Arial" panose="020B0604020202020204" pitchFamily="34" charset="0"/>
+              <a:buNone/>
+              <a:defRPr sz="7680" kern="1200">
+                <a:solidFill>
+                  <a:schemeClr val="tx1"/>
+                </a:solidFill>
+                <a:latin typeface="+mn-lt"/>
+                <a:ea typeface="+mn-ea"/>
+                <a:cs typeface="+mn-cs"/>
+              </a:defRPr>
+            </a:lvl6pPr>
+            <a:lvl7pPr marL="13167360" indent="0" algn="ctr" defTabSz="4389120" rtl="0" eaLnBrk="1" latinLnBrk="0" hangingPunct="1">
+              <a:lnSpc>
+                <a:spcPct val="90000"/>
+              </a:lnSpc>
+              <a:spcBef>
+                <a:spcPts val="2400"/>
+              </a:spcBef>
+              <a:buFont typeface="Arial" panose="020B0604020202020204" pitchFamily="34" charset="0"/>
+              <a:buNone/>
+              <a:defRPr sz="7680" kern="1200">
+                <a:solidFill>
+                  <a:schemeClr val="tx1"/>
+                </a:solidFill>
+                <a:latin typeface="+mn-lt"/>
+                <a:ea typeface="+mn-ea"/>
+                <a:cs typeface="+mn-cs"/>
+              </a:defRPr>
+            </a:lvl7pPr>
+            <a:lvl8pPr marL="15361920" indent="0" algn="ctr" defTabSz="4389120" rtl="0" eaLnBrk="1" latinLnBrk="0" hangingPunct="1">
+              <a:lnSpc>
+                <a:spcPct val="90000"/>
+              </a:lnSpc>
+              <a:spcBef>
+                <a:spcPts val="2400"/>
+              </a:spcBef>
+              <a:buFont typeface="Arial" panose="020B0604020202020204" pitchFamily="34" charset="0"/>
+              <a:buNone/>
+              <a:defRPr sz="7680" kern="1200">
+                <a:solidFill>
+                  <a:schemeClr val="tx1"/>
+                </a:solidFill>
+                <a:latin typeface="+mn-lt"/>
+                <a:ea typeface="+mn-ea"/>
+                <a:cs typeface="+mn-cs"/>
+              </a:defRPr>
+            </a:lvl8pPr>
+            <a:lvl9pPr marL="17556480" indent="0" algn="ctr" defTabSz="4389120" rtl="0" eaLnBrk="1" latinLnBrk="0" hangingPunct="1">
+              <a:lnSpc>
+                <a:spcPct val="90000"/>
+              </a:lnSpc>
+              <a:spcBef>
+                <a:spcPts val="2400"/>
+              </a:spcBef>
+              <a:buFont typeface="Arial" panose="020B0604020202020204" pitchFamily="34" charset="0"/>
+              <a:buNone/>
+              <a:defRPr sz="7680" kern="1200">
+                <a:solidFill>
+                  <a:schemeClr val="tx1"/>
+                </a:solidFill>
+                <a:latin typeface="+mn-lt"/>
+                <a:ea typeface="+mn-ea"/>
+                <a:cs typeface="+mn-cs"/>
+              </a:defRPr>
+            </a:lvl9pPr>
+          </a:lstStyle>
+          <a:p>
+            <a:r>
+              <a:rPr lang="en-US" sz="9600" dirty="0"/>
+              <a:t>Wing and elevator design</a:t>
+            </a:r>
+          </a:p>
+          <a:p>
+            <a:endParaRPr lang="en-US" sz="9600" dirty="0"/>
+          </a:p>
+          <a:p>
+            <a:r>
+              <a:rPr lang="en-US" sz="9600"/>
+              <a:t>Ben</a:t>
+            </a:r>
+            <a:endParaRPr lang="en-US" sz="9600" dirty="0"/>
           </a:p>
         </p:txBody>
       </p:sp>

--- a/Mother ship poster board.pptx
+++ b/Mother ship poster board.pptx
@@ -254,7 +254,7 @@
           <a:p>
             <a:fld id="{A9DCEFE4-7BE0-4864-874C-B8DA93E940DD}" type="datetimeFigureOut">
               <a:rPr lang="en-US" smtClean="0"/>
-              <a:t>11/15/2019</a:t>
+              <a:t>11/21/2019</a:t>
             </a:fld>
             <a:endParaRPr lang="en-US"/>
           </a:p>
@@ -424,7 +424,7 @@
           <a:p>
             <a:fld id="{A9DCEFE4-7BE0-4864-874C-B8DA93E940DD}" type="datetimeFigureOut">
               <a:rPr lang="en-US" smtClean="0"/>
-              <a:t>11/15/2019</a:t>
+              <a:t>11/21/2019</a:t>
             </a:fld>
             <a:endParaRPr lang="en-US"/>
           </a:p>
@@ -604,7 +604,7 @@
           <a:p>
             <a:fld id="{A9DCEFE4-7BE0-4864-874C-B8DA93E940DD}" type="datetimeFigureOut">
               <a:rPr lang="en-US" smtClean="0"/>
-              <a:t>11/15/2019</a:t>
+              <a:t>11/21/2019</a:t>
             </a:fld>
             <a:endParaRPr lang="en-US"/>
           </a:p>
@@ -774,7 +774,7 @@
           <a:p>
             <a:fld id="{A9DCEFE4-7BE0-4864-874C-B8DA93E940DD}" type="datetimeFigureOut">
               <a:rPr lang="en-US" smtClean="0"/>
-              <a:t>11/15/2019</a:t>
+              <a:t>11/21/2019</a:t>
             </a:fld>
             <a:endParaRPr lang="en-US"/>
           </a:p>
@@ -1018,7 +1018,7 @@
           <a:p>
             <a:fld id="{A9DCEFE4-7BE0-4864-874C-B8DA93E940DD}" type="datetimeFigureOut">
               <a:rPr lang="en-US" smtClean="0"/>
-              <a:t>11/15/2019</a:t>
+              <a:t>11/21/2019</a:t>
             </a:fld>
             <a:endParaRPr lang="en-US"/>
           </a:p>
@@ -1250,7 +1250,7 @@
           <a:p>
             <a:fld id="{A9DCEFE4-7BE0-4864-874C-B8DA93E940DD}" type="datetimeFigureOut">
               <a:rPr lang="en-US" smtClean="0"/>
-              <a:t>11/15/2019</a:t>
+              <a:t>11/21/2019</a:t>
             </a:fld>
             <a:endParaRPr lang="en-US"/>
           </a:p>
@@ -1617,7 +1617,7 @@
           <a:p>
             <a:fld id="{A9DCEFE4-7BE0-4864-874C-B8DA93E940DD}" type="datetimeFigureOut">
               <a:rPr lang="en-US" smtClean="0"/>
-              <a:t>11/15/2019</a:t>
+              <a:t>11/21/2019</a:t>
             </a:fld>
             <a:endParaRPr lang="en-US"/>
           </a:p>
@@ -1735,7 +1735,7 @@
           <a:p>
             <a:fld id="{A9DCEFE4-7BE0-4864-874C-B8DA93E940DD}" type="datetimeFigureOut">
               <a:rPr lang="en-US" smtClean="0"/>
-              <a:t>11/15/2019</a:t>
+              <a:t>11/21/2019</a:t>
             </a:fld>
             <a:endParaRPr lang="en-US"/>
           </a:p>
@@ -1830,7 +1830,7 @@
           <a:p>
             <a:fld id="{A9DCEFE4-7BE0-4864-874C-B8DA93E940DD}" type="datetimeFigureOut">
               <a:rPr lang="en-US" smtClean="0"/>
-              <a:t>11/15/2019</a:t>
+              <a:t>11/21/2019</a:t>
             </a:fld>
             <a:endParaRPr lang="en-US"/>
           </a:p>
@@ -2107,7 +2107,7 @@
           <a:p>
             <a:fld id="{A9DCEFE4-7BE0-4864-874C-B8DA93E940DD}" type="datetimeFigureOut">
               <a:rPr lang="en-US" smtClean="0"/>
-              <a:t>11/15/2019</a:t>
+              <a:t>11/21/2019</a:t>
             </a:fld>
             <a:endParaRPr lang="en-US"/>
           </a:p>
@@ -2364,7 +2364,7 @@
           <a:p>
             <a:fld id="{A9DCEFE4-7BE0-4864-874C-B8DA93E940DD}" type="datetimeFigureOut">
               <a:rPr lang="en-US" smtClean="0"/>
-              <a:t>11/15/2019</a:t>
+              <a:t>11/21/2019</a:t>
             </a:fld>
             <a:endParaRPr lang="en-US"/>
           </a:p>
@@ -2577,7 +2577,7 @@
           <a:p>
             <a:fld id="{A9DCEFE4-7BE0-4864-874C-B8DA93E940DD}" type="datetimeFigureOut">
               <a:rPr lang="en-US" smtClean="0"/>
-              <a:t>11/15/2019</a:t>
+              <a:t>11/21/2019</a:t>
             </a:fld>
             <a:endParaRPr lang="en-US"/>
           </a:p>
@@ -3232,7 +3232,7 @@
         <p:spPr>
           <a:xfrm>
             <a:off x="10287000" y="4267200"/>
-            <a:ext cx="23151548" cy="14762922"/>
+            <a:ext cx="23151548" cy="12793982"/>
           </a:xfrm>
           <a:prstGeom prst="rect">
             <a:avLst/>
@@ -5071,6 +5071,204 @@
               <a:t>Ben</a:t>
             </a:r>
             <a:endParaRPr lang="en-US" sz="9600" dirty="0"/>
+          </a:p>
+        </p:txBody>
+      </p:sp>
+      <p:sp>
+        <p:nvSpPr>
+          <p:cNvPr id="15" name="Subtitle 2"/>
+          <p:cNvSpPr txBox="1">
+            <a:spLocks/>
+          </p:cNvSpPr>
+          <p:nvPr/>
+        </p:nvSpPr>
+        <p:spPr>
+          <a:xfrm>
+            <a:off x="10287000" y="17061182"/>
+            <a:ext cx="23158174" cy="1968940"/>
+          </a:xfrm>
+          <a:prstGeom prst="rect">
+            <a:avLst/>
+          </a:prstGeom>
+          <a:ln>
+            <a:solidFill>
+              <a:schemeClr val="tx1"/>
+            </a:solidFill>
+          </a:ln>
+        </p:spPr>
+        <p:txBody>
+          <a:bodyPr vert="horz" lIns="91440" tIns="45720" rIns="91440" bIns="45720" rtlCol="0" anchor="ctr">
+            <a:normAutofit/>
+          </a:bodyPr>
+          <a:lstStyle>
+            <a:lvl1pPr marL="0" indent="0" algn="ctr" defTabSz="4389120" rtl="0" eaLnBrk="1" latinLnBrk="0" hangingPunct="1">
+              <a:lnSpc>
+                <a:spcPct val="90000"/>
+              </a:lnSpc>
+              <a:spcBef>
+                <a:spcPts val="4800"/>
+              </a:spcBef>
+              <a:buFont typeface="Arial" panose="020B0604020202020204" pitchFamily="34" charset="0"/>
+              <a:buNone/>
+              <a:defRPr sz="11520" kern="1200">
+                <a:solidFill>
+                  <a:schemeClr val="tx1"/>
+                </a:solidFill>
+                <a:latin typeface="+mn-lt"/>
+                <a:ea typeface="+mn-ea"/>
+                <a:cs typeface="+mn-cs"/>
+              </a:defRPr>
+            </a:lvl1pPr>
+            <a:lvl2pPr marL="2194560" indent="0" algn="ctr" defTabSz="4389120" rtl="0" eaLnBrk="1" latinLnBrk="0" hangingPunct="1">
+              <a:lnSpc>
+                <a:spcPct val="90000"/>
+              </a:lnSpc>
+              <a:spcBef>
+                <a:spcPts val="2400"/>
+              </a:spcBef>
+              <a:buFont typeface="Arial" panose="020B0604020202020204" pitchFamily="34" charset="0"/>
+              <a:buNone/>
+              <a:defRPr sz="9600" kern="1200">
+                <a:solidFill>
+                  <a:schemeClr val="tx1"/>
+                </a:solidFill>
+                <a:latin typeface="+mn-lt"/>
+                <a:ea typeface="+mn-ea"/>
+                <a:cs typeface="+mn-cs"/>
+              </a:defRPr>
+            </a:lvl2pPr>
+            <a:lvl3pPr marL="4389120" indent="0" algn="ctr" defTabSz="4389120" rtl="0" eaLnBrk="1" latinLnBrk="0" hangingPunct="1">
+              <a:lnSpc>
+                <a:spcPct val="90000"/>
+              </a:lnSpc>
+              <a:spcBef>
+                <a:spcPts val="2400"/>
+              </a:spcBef>
+              <a:buFont typeface="Arial" panose="020B0604020202020204" pitchFamily="34" charset="0"/>
+              <a:buNone/>
+              <a:defRPr sz="8640" kern="1200">
+                <a:solidFill>
+                  <a:schemeClr val="tx1"/>
+                </a:solidFill>
+                <a:latin typeface="+mn-lt"/>
+                <a:ea typeface="+mn-ea"/>
+                <a:cs typeface="+mn-cs"/>
+              </a:defRPr>
+            </a:lvl3pPr>
+            <a:lvl4pPr marL="6583680" indent="0" algn="ctr" defTabSz="4389120" rtl="0" eaLnBrk="1" latinLnBrk="0" hangingPunct="1">
+              <a:lnSpc>
+                <a:spcPct val="90000"/>
+              </a:lnSpc>
+              <a:spcBef>
+                <a:spcPts val="2400"/>
+              </a:spcBef>
+              <a:buFont typeface="Arial" panose="020B0604020202020204" pitchFamily="34" charset="0"/>
+              <a:buNone/>
+              <a:defRPr sz="7680" kern="1200">
+                <a:solidFill>
+                  <a:schemeClr val="tx1"/>
+                </a:solidFill>
+                <a:latin typeface="+mn-lt"/>
+                <a:ea typeface="+mn-ea"/>
+                <a:cs typeface="+mn-cs"/>
+              </a:defRPr>
+            </a:lvl4pPr>
+            <a:lvl5pPr marL="8778240" indent="0" algn="ctr" defTabSz="4389120" rtl="0" eaLnBrk="1" latinLnBrk="0" hangingPunct="1">
+              <a:lnSpc>
+                <a:spcPct val="90000"/>
+              </a:lnSpc>
+              <a:spcBef>
+                <a:spcPts val="2400"/>
+              </a:spcBef>
+              <a:buFont typeface="Arial" panose="020B0604020202020204" pitchFamily="34" charset="0"/>
+              <a:buNone/>
+              <a:defRPr sz="7680" kern="1200">
+                <a:solidFill>
+                  <a:schemeClr val="tx1"/>
+                </a:solidFill>
+                <a:latin typeface="+mn-lt"/>
+                <a:ea typeface="+mn-ea"/>
+                <a:cs typeface="+mn-cs"/>
+              </a:defRPr>
+            </a:lvl5pPr>
+            <a:lvl6pPr marL="10972800" indent="0" algn="ctr" defTabSz="4389120" rtl="0" eaLnBrk="1" latinLnBrk="0" hangingPunct="1">
+              <a:lnSpc>
+                <a:spcPct val="90000"/>
+              </a:lnSpc>
+              <a:spcBef>
+                <a:spcPts val="2400"/>
+              </a:spcBef>
+              <a:buFont typeface="Arial" panose="020B0604020202020204" pitchFamily="34" charset="0"/>
+              <a:buNone/>
+              <a:defRPr sz="7680" kern="1200">
+                <a:solidFill>
+                  <a:schemeClr val="tx1"/>
+                </a:solidFill>
+                <a:latin typeface="+mn-lt"/>
+                <a:ea typeface="+mn-ea"/>
+                <a:cs typeface="+mn-cs"/>
+              </a:defRPr>
+            </a:lvl6pPr>
+            <a:lvl7pPr marL="13167360" indent="0" algn="ctr" defTabSz="4389120" rtl="0" eaLnBrk="1" latinLnBrk="0" hangingPunct="1">
+              <a:lnSpc>
+                <a:spcPct val="90000"/>
+              </a:lnSpc>
+              <a:spcBef>
+                <a:spcPts val="2400"/>
+              </a:spcBef>
+              <a:buFont typeface="Arial" panose="020B0604020202020204" pitchFamily="34" charset="0"/>
+              <a:buNone/>
+              <a:defRPr sz="7680" kern="1200">
+                <a:solidFill>
+                  <a:schemeClr val="tx1"/>
+                </a:solidFill>
+                <a:latin typeface="+mn-lt"/>
+                <a:ea typeface="+mn-ea"/>
+                <a:cs typeface="+mn-cs"/>
+              </a:defRPr>
+            </a:lvl7pPr>
+            <a:lvl8pPr marL="15361920" indent="0" algn="ctr" defTabSz="4389120" rtl="0" eaLnBrk="1" latinLnBrk="0" hangingPunct="1">
+              <a:lnSpc>
+                <a:spcPct val="90000"/>
+              </a:lnSpc>
+              <a:spcBef>
+                <a:spcPts val="2400"/>
+              </a:spcBef>
+              <a:buFont typeface="Arial" panose="020B0604020202020204" pitchFamily="34" charset="0"/>
+              <a:buNone/>
+              <a:defRPr sz="7680" kern="1200">
+                <a:solidFill>
+                  <a:schemeClr val="tx1"/>
+                </a:solidFill>
+                <a:latin typeface="+mn-lt"/>
+                <a:ea typeface="+mn-ea"/>
+                <a:cs typeface="+mn-cs"/>
+              </a:defRPr>
+            </a:lvl8pPr>
+            <a:lvl9pPr marL="17556480" indent="0" algn="ctr" defTabSz="4389120" rtl="0" eaLnBrk="1" latinLnBrk="0" hangingPunct="1">
+              <a:lnSpc>
+                <a:spcPct val="90000"/>
+              </a:lnSpc>
+              <a:spcBef>
+                <a:spcPts val="2400"/>
+              </a:spcBef>
+              <a:buFont typeface="Arial" panose="020B0604020202020204" pitchFamily="34" charset="0"/>
+              <a:buNone/>
+              <a:defRPr sz="7680" kern="1200">
+                <a:solidFill>
+                  <a:schemeClr val="tx1"/>
+                </a:solidFill>
+                <a:latin typeface="+mn-lt"/>
+                <a:ea typeface="+mn-ea"/>
+                <a:cs typeface="+mn-cs"/>
+              </a:defRPr>
+            </a:lvl9pPr>
+          </a:lstStyle>
+          <a:p>
+            <a:r>
+              <a:rPr lang="en-US" sz="9600" dirty="0"/>
+              <a:t>Table of general performance parameters</a:t>
+            </a:r>
           </a:p>
         </p:txBody>
       </p:sp>

--- a/Mother ship poster board.pptx
+++ b/Mother ship poster board.pptx
@@ -254,7 +254,7 @@
           <a:p>
             <a:fld id="{A9DCEFE4-7BE0-4864-874C-B8DA93E940DD}" type="datetimeFigureOut">
               <a:rPr lang="en-US" smtClean="0"/>
-              <a:t>11/21/2019</a:t>
+              <a:t>11/23/2019</a:t>
             </a:fld>
             <a:endParaRPr lang="en-US"/>
           </a:p>
@@ -424,7 +424,7 @@
           <a:p>
             <a:fld id="{A9DCEFE4-7BE0-4864-874C-B8DA93E940DD}" type="datetimeFigureOut">
               <a:rPr lang="en-US" smtClean="0"/>
-              <a:t>11/21/2019</a:t>
+              <a:t>11/23/2019</a:t>
             </a:fld>
             <a:endParaRPr lang="en-US"/>
           </a:p>
@@ -604,7 +604,7 @@
           <a:p>
             <a:fld id="{A9DCEFE4-7BE0-4864-874C-B8DA93E940DD}" type="datetimeFigureOut">
               <a:rPr lang="en-US" smtClean="0"/>
-              <a:t>11/21/2019</a:t>
+              <a:t>11/23/2019</a:t>
             </a:fld>
             <a:endParaRPr lang="en-US"/>
           </a:p>
@@ -774,7 +774,7 @@
           <a:p>
             <a:fld id="{A9DCEFE4-7BE0-4864-874C-B8DA93E940DD}" type="datetimeFigureOut">
               <a:rPr lang="en-US" smtClean="0"/>
-              <a:t>11/21/2019</a:t>
+              <a:t>11/23/2019</a:t>
             </a:fld>
             <a:endParaRPr lang="en-US"/>
           </a:p>
@@ -1018,7 +1018,7 @@
           <a:p>
             <a:fld id="{A9DCEFE4-7BE0-4864-874C-B8DA93E940DD}" type="datetimeFigureOut">
               <a:rPr lang="en-US" smtClean="0"/>
-              <a:t>11/21/2019</a:t>
+              <a:t>11/23/2019</a:t>
             </a:fld>
             <a:endParaRPr lang="en-US"/>
           </a:p>
@@ -1250,7 +1250,7 @@
           <a:p>
             <a:fld id="{A9DCEFE4-7BE0-4864-874C-B8DA93E940DD}" type="datetimeFigureOut">
               <a:rPr lang="en-US" smtClean="0"/>
-              <a:t>11/21/2019</a:t>
+              <a:t>11/23/2019</a:t>
             </a:fld>
             <a:endParaRPr lang="en-US"/>
           </a:p>
@@ -1617,7 +1617,7 @@
           <a:p>
             <a:fld id="{A9DCEFE4-7BE0-4864-874C-B8DA93E940DD}" type="datetimeFigureOut">
               <a:rPr lang="en-US" smtClean="0"/>
-              <a:t>11/21/2019</a:t>
+              <a:t>11/23/2019</a:t>
             </a:fld>
             <a:endParaRPr lang="en-US"/>
           </a:p>
@@ -1735,7 +1735,7 @@
           <a:p>
             <a:fld id="{A9DCEFE4-7BE0-4864-874C-B8DA93E940DD}" type="datetimeFigureOut">
               <a:rPr lang="en-US" smtClean="0"/>
-              <a:t>11/21/2019</a:t>
+              <a:t>11/23/2019</a:t>
             </a:fld>
             <a:endParaRPr lang="en-US"/>
           </a:p>
@@ -1830,7 +1830,7 @@
           <a:p>
             <a:fld id="{A9DCEFE4-7BE0-4864-874C-B8DA93E940DD}" type="datetimeFigureOut">
               <a:rPr lang="en-US" smtClean="0"/>
-              <a:t>11/21/2019</a:t>
+              <a:t>11/23/2019</a:t>
             </a:fld>
             <a:endParaRPr lang="en-US"/>
           </a:p>
@@ -2107,7 +2107,7 @@
           <a:p>
             <a:fld id="{A9DCEFE4-7BE0-4864-874C-B8DA93E940DD}" type="datetimeFigureOut">
               <a:rPr lang="en-US" smtClean="0"/>
-              <a:t>11/21/2019</a:t>
+              <a:t>11/23/2019</a:t>
             </a:fld>
             <a:endParaRPr lang="en-US"/>
           </a:p>
@@ -2364,7 +2364,7 @@
           <a:p>
             <a:fld id="{A9DCEFE4-7BE0-4864-874C-B8DA93E940DD}" type="datetimeFigureOut">
               <a:rPr lang="en-US" smtClean="0"/>
-              <a:t>11/21/2019</a:t>
+              <a:t>11/23/2019</a:t>
             </a:fld>
             <a:endParaRPr lang="en-US"/>
           </a:p>
@@ -2577,7 +2577,7 @@
           <a:p>
             <a:fld id="{A9DCEFE4-7BE0-4864-874C-B8DA93E940DD}" type="datetimeFigureOut">
               <a:rPr lang="en-US" smtClean="0"/>
-              <a:t>11/21/2019</a:t>
+              <a:t>11/23/2019</a:t>
             </a:fld>
             <a:endParaRPr lang="en-US"/>
           </a:p>
@@ -2994,26 +2994,47 @@
         </p:nvSpPr>
         <p:spPr>
           <a:xfrm>
-            <a:off x="16681174" y="762000"/>
-            <a:ext cx="10363200" cy="2590800"/>
+            <a:off x="8349097" y="762000"/>
+            <a:ext cx="26121363" cy="2590800"/>
           </a:xfrm>
         </p:spPr>
         <p:txBody>
           <a:bodyPr>
-            <a:normAutofit fontScale="92500" lnSpcReduction="20000"/>
+            <a:normAutofit fontScale="62500" lnSpcReduction="20000"/>
           </a:bodyPr>
           <a:lstStyle/>
           <a:p>
             <a:r>
-              <a:rPr lang="en-US" sz="9600" dirty="0"/>
+              <a:rPr lang="en-US" sz="19600" b="1" dirty="0">
+                <a:latin typeface="Times New Roman" panose="02020603050405020304" pitchFamily="18" charset="0"/>
+                <a:ea typeface="Gadugi" panose="020B0502040204020203" pitchFamily="34" charset="0"/>
+                <a:cs typeface="Times New Roman" panose="02020603050405020304" pitchFamily="18" charset="0"/>
+              </a:rPr>
               <a:t>Team 7 Mothership</a:t>
             </a:r>
           </a:p>
           <a:p>
             <a:r>
-              <a:rPr lang="en-US" sz="8000" dirty="0"/>
-              <a:t>Names</a:t>
-            </a:r>
+              <a:rPr lang="en-US" sz="8000" dirty="0">
+                <a:latin typeface="Times New Roman" panose="02020603050405020304" pitchFamily="18" charset="0"/>
+                <a:ea typeface="Gadugi" panose="020B0502040204020203" pitchFamily="34" charset="0"/>
+                <a:cs typeface="Times New Roman" panose="02020603050405020304" pitchFamily="18" charset="0"/>
+              </a:rPr>
+              <a:t>Benjamin Dolin, Elias Ghazal, Bradley Lock, Sarah Rasche, Sean Wan, Veronica </a:t>
+            </a:r>
+            <a:r>
+              <a:rPr lang="en-US" sz="8000" dirty="0" err="1">
+                <a:latin typeface="Times New Roman" panose="02020603050405020304" pitchFamily="18" charset="0"/>
+                <a:ea typeface="Gadugi" panose="020B0502040204020203" pitchFamily="34" charset="0"/>
+                <a:cs typeface="Times New Roman" panose="02020603050405020304" pitchFamily="18" charset="0"/>
+              </a:rPr>
+              <a:t>Yapriadi</a:t>
+            </a:r>
+            <a:endParaRPr lang="en-US" sz="8000" dirty="0">
+              <a:latin typeface="Times New Roman" panose="02020603050405020304" pitchFamily="18" charset="0"/>
+              <a:ea typeface="Gadugi" panose="020B0502040204020203" pitchFamily="34" charset="0"/>
+              <a:cs typeface="Times New Roman" panose="02020603050405020304" pitchFamily="18" charset="0"/>
+            </a:endParaRPr>
           </a:p>
         </p:txBody>
       </p:sp>
@@ -5268,6 +5289,137 @@
             <a:r>
               <a:rPr lang="en-US" sz="9600" dirty="0"/>
               <a:t>Table of general performance parameters</a:t>
+            </a:r>
+          </a:p>
+        </p:txBody>
+      </p:sp>
+      <p:pic>
+        <p:nvPicPr>
+          <p:cNvPr id="1026" name="Picture 2" descr="Image result for purdue aerospace logo">
+            <a:extLst>
+              <a:ext uri="{FF2B5EF4-FFF2-40B4-BE49-F238E27FC236}">
+                <a16:creationId xmlns:a16="http://schemas.microsoft.com/office/drawing/2014/main" id="{746C7709-FA2F-47A4-856F-4026FF0FE504}"/>
+              </a:ext>
+            </a:extLst>
+          </p:cNvPr>
+          <p:cNvPicPr>
+            <a:picLocks noChangeAspect="1" noChangeArrowheads="1"/>
+          </p:cNvPicPr>
+          <p:nvPr/>
+        </p:nvPicPr>
+        <p:blipFill>
+          <a:blip r:embed="rId2">
+            <a:extLst>
+              <a:ext uri="{28A0092B-C50C-407E-A947-70E740481C1C}">
+                <a14:useLocalDpi xmlns:a14="http://schemas.microsoft.com/office/drawing/2010/main" val="0"/>
+              </a:ext>
+            </a:extLst>
+          </a:blip>
+          <a:srcRect/>
+          <a:stretch>
+            <a:fillRect/>
+          </a:stretch>
+        </p:blipFill>
+        <p:spPr bwMode="auto">
+          <a:xfrm>
+            <a:off x="34470460" y="-393260"/>
+            <a:ext cx="8388828" cy="4660460"/>
+          </a:xfrm>
+          <a:prstGeom prst="rect">
+            <a:avLst/>
+          </a:prstGeom>
+          <a:noFill/>
+          <a:extLst>
+            <a:ext uri="{909E8E84-426E-40DD-AFC4-6F175D3DCCD1}">
+              <a14:hiddenFill xmlns:a14="http://schemas.microsoft.com/office/drawing/2010/main">
+                <a:solidFill>
+                  <a:srgbClr val="FFFFFF"/>
+                </a:solidFill>
+              </a14:hiddenFill>
+            </a:ext>
+          </a:extLst>
+        </p:spPr>
+      </p:pic>
+      <p:pic>
+        <p:nvPicPr>
+          <p:cNvPr id="1028" name="Picture 4" descr="https://lh4.googleusercontent.com/VCGSQHPvelJF_uqT1lUl5cnEnawFknDZfb5uagpALrUttUQe0bsca9PeUPE5oCgVD4eJU3Gq1vQaRthBh6-hKSi2jBIoaI2P-btbcI-osVztNRvZv2JfcwTXmAABZabhtoiG_40zqeA">
+            <a:extLst>
+              <a:ext uri="{FF2B5EF4-FFF2-40B4-BE49-F238E27FC236}">
+                <a16:creationId xmlns:a16="http://schemas.microsoft.com/office/drawing/2014/main" id="{B8AF8FEB-9FFF-4A92-8DF2-2A45428A3B01}"/>
+              </a:ext>
+            </a:extLst>
+          </p:cNvPr>
+          <p:cNvPicPr>
+            <a:picLocks noChangeAspect="1" noChangeArrowheads="1"/>
+          </p:cNvPicPr>
+          <p:nvPr/>
+        </p:nvPicPr>
+        <p:blipFill>
+          <a:blip r:embed="rId3">
+            <a:extLst>
+              <a:ext uri="{28A0092B-C50C-407E-A947-70E740481C1C}">
+                <a14:useLocalDpi xmlns:a14="http://schemas.microsoft.com/office/drawing/2010/main" val="0"/>
+              </a:ext>
+            </a:extLst>
+          </a:blip>
+          <a:srcRect/>
+          <a:stretch>
+            <a:fillRect/>
+          </a:stretch>
+        </p:blipFill>
+        <p:spPr bwMode="auto">
+          <a:xfrm>
+            <a:off x="139810" y="-1351287"/>
+            <a:ext cx="9408174" cy="9408174"/>
+          </a:xfrm>
+          <a:prstGeom prst="rect">
+            <a:avLst/>
+          </a:prstGeom>
+          <a:noFill/>
+          <a:extLst>
+            <a:ext uri="{909E8E84-426E-40DD-AFC4-6F175D3DCCD1}">
+              <a14:hiddenFill xmlns:a14="http://schemas.microsoft.com/office/drawing/2010/main">
+                <a:solidFill>
+                  <a:srgbClr val="FFFFFF"/>
+                </a:solidFill>
+              </a14:hiddenFill>
+            </a:ext>
+          </a:extLst>
+        </p:spPr>
+      </p:pic>
+      <p:sp>
+        <p:nvSpPr>
+          <p:cNvPr id="2" name="TextBox 1">
+            <a:extLst>
+              <a:ext uri="{FF2B5EF4-FFF2-40B4-BE49-F238E27FC236}">
+                <a16:creationId xmlns:a16="http://schemas.microsoft.com/office/drawing/2014/main" id="{C0032E5D-4C83-4370-84DA-B7FE97F5CC9B}"/>
+              </a:ext>
+            </a:extLst>
+          </p:cNvPr>
+          <p:cNvSpPr txBox="1"/>
+          <p:nvPr/>
+        </p:nvSpPr>
+        <p:spPr>
+          <a:xfrm>
+            <a:off x="3505200" y="2799580"/>
+            <a:ext cx="4843897" cy="1015663"/>
+          </a:xfrm>
+          <a:prstGeom prst="rect">
+            <a:avLst/>
+          </a:prstGeom>
+          <a:noFill/>
+        </p:spPr>
+        <p:txBody>
+          <a:bodyPr wrap="square" rtlCol="0">
+            <a:spAutoFit/>
+          </a:bodyPr>
+          <a:lstStyle/>
+          <a:p>
+            <a:r>
+              <a:rPr lang="en-US" sz="6000" i="1" dirty="0">
+                <a:latin typeface="Arial Black" panose="020B0A04020102020204" pitchFamily="34" charset="0"/>
+              </a:rPr>
+              <a:t>Poseidon</a:t>
             </a:r>
           </a:p>
         </p:txBody>

--- a/Mother ship poster board.pptx
+++ b/Mother ship poster board.pptx
@@ -3000,41 +3000,34 @@
         </p:spPr>
         <p:txBody>
           <a:bodyPr>
-            <a:normAutofit fontScale="62500" lnSpcReduction="20000"/>
+            <a:normAutofit lnSpcReduction="10000"/>
+            <a:scene3d>
+              <a:camera prst="orthographicFront"/>
+              <a:lightRig rig="harsh" dir="t"/>
+            </a:scene3d>
+            <a:sp3d extrusionH="57150" prstMaterial="matte">
+              <a:bevelT w="63500" h="12700" prst="angle"/>
+              <a:contourClr>
+                <a:schemeClr val="bg1">
+                  <a:lumMod val="65000"/>
+                </a:schemeClr>
+              </a:contourClr>
+            </a:sp3d>
           </a:bodyPr>
           <a:lstStyle/>
           <a:p>
             <a:r>
               <a:rPr lang="en-US" sz="19600" b="1" dirty="0">
+                <a:ln/>
+                <a:solidFill>
+                  <a:srgbClr val="32363D"/>
+                </a:solidFill>
                 <a:latin typeface="Times New Roman" panose="02020603050405020304" pitchFamily="18" charset="0"/>
                 <a:ea typeface="Gadugi" panose="020B0502040204020203" pitchFamily="34" charset="0"/>
                 <a:cs typeface="Times New Roman" panose="02020603050405020304" pitchFamily="18" charset="0"/>
               </a:rPr>
               <a:t>Team 7 Mothership</a:t>
             </a:r>
-          </a:p>
-          <a:p>
-            <a:r>
-              <a:rPr lang="en-US" sz="8000" dirty="0">
-                <a:latin typeface="Times New Roman" panose="02020603050405020304" pitchFamily="18" charset="0"/>
-                <a:ea typeface="Gadugi" panose="020B0502040204020203" pitchFamily="34" charset="0"/>
-                <a:cs typeface="Times New Roman" panose="02020603050405020304" pitchFamily="18" charset="0"/>
-              </a:rPr>
-              <a:t>Benjamin Dolin, Elias Ghazal, Bradley Lock, Sarah Rasche, Sean Wan, Veronica </a:t>
-            </a:r>
-            <a:r>
-              <a:rPr lang="en-US" sz="8000" dirty="0" err="1">
-                <a:latin typeface="Times New Roman" panose="02020603050405020304" pitchFamily="18" charset="0"/>
-                <a:ea typeface="Gadugi" panose="020B0502040204020203" pitchFamily="34" charset="0"/>
-                <a:cs typeface="Times New Roman" panose="02020603050405020304" pitchFamily="18" charset="0"/>
-              </a:rPr>
-              <a:t>Yapriadi</a:t>
-            </a:r>
-            <a:endParaRPr lang="en-US" sz="8000" dirty="0">
-              <a:latin typeface="Times New Roman" panose="02020603050405020304" pitchFamily="18" charset="0"/>
-              <a:ea typeface="Gadugi" panose="020B0502040204020203" pitchFamily="34" charset="0"/>
-              <a:cs typeface="Times New Roman" panose="02020603050405020304" pitchFamily="18" charset="0"/>
-            </a:endParaRPr>
           </a:p>
         </p:txBody>
       </p:sp>
@@ -4066,8 +4059,8 @@
         </p:nvSpPr>
         <p:spPr>
           <a:xfrm>
-            <a:off x="0" y="9621948"/>
-            <a:ext cx="10287000" cy="9408174"/>
+            <a:off x="0" y="11197176"/>
+            <a:ext cx="10287000" cy="7832946"/>
           </a:xfrm>
           <a:prstGeom prst="rect">
             <a:avLst/>
@@ -4080,7 +4073,7 @@
         </p:spPr>
         <p:txBody>
           <a:bodyPr vert="horz" lIns="91440" tIns="45720" rIns="91440" bIns="45720" rtlCol="0" anchor="ctr">
-            <a:normAutofit/>
+            <a:normAutofit fontScale="92500" lnSpcReduction="10000"/>
           </a:bodyPr>
           <a:lstStyle>
             <a:lvl1pPr marL="0" indent="0" algn="ctr" defTabSz="4389120" rtl="0" eaLnBrk="1" latinLnBrk="0" hangingPunct="1">
@@ -4247,19 +4240,28 @@
             </a:lvl9pPr>
           </a:lstStyle>
           <a:p>
-            <a:r>
-              <a:rPr lang="en-US" sz="9600" dirty="0"/>
-              <a:t>Walk around</a:t>
-            </a:r>
-          </a:p>
-          <a:p>
-            <a:endParaRPr lang="en-US" sz="9600" dirty="0"/>
-          </a:p>
-          <a:p>
-            <a:r>
-              <a:rPr lang="en-US" sz="9600" dirty="0"/>
-              <a:t>Sarah</a:t>
-            </a:r>
+            <a:pPr algn="l">
+              <a:lnSpc>
+                <a:spcPct val="100000"/>
+              </a:lnSpc>
+            </a:pPr>
+            <a:r>
+              <a:rPr lang="en-US" sz="5400" dirty="0">
+                <a:solidFill>
+                  <a:srgbClr val="32363D"/>
+                </a:solidFill>
+                <a:latin typeface="Times New Roman" panose="02020603050405020304" pitchFamily="18" charset="0"/>
+                <a:cs typeface="Times New Roman" panose="02020603050405020304" pitchFamily="18" charset="0"/>
+              </a:rPr>
+              <a:t>The aircraft is a high wing, H-tail configuration with a double carbon fiber rod boom connecting the fuselage and the tail. The glider is placed underneath the booms and connected to the fuselage. The fuselage holes all of the electronics and the motor is attached to the outside of the fuselage. The landing gear is a tail dragger configuration to allow space for the glider.</a:t>
+            </a:r>
+            <a:endParaRPr lang="en-US" sz="8000" dirty="0">
+              <a:solidFill>
+                <a:srgbClr val="32363D"/>
+              </a:solidFill>
+              <a:latin typeface="Times New Roman" panose="02020603050405020304" pitchFamily="18" charset="0"/>
+              <a:cs typeface="Times New Roman" panose="02020603050405020304" pitchFamily="18" charset="0"/>
+            </a:endParaRPr>
           </a:p>
         </p:txBody>
       </p:sp>
@@ -5322,7 +5324,7 @@
         </p:blipFill>
         <p:spPr bwMode="auto">
           <a:xfrm>
-            <a:off x="34470460" y="-393260"/>
+            <a:off x="34470460" y="-381000"/>
             <a:ext cx="8388828" cy="4660460"/>
           </a:xfrm>
           <a:prstGeom prst="rect">
@@ -5417,9 +5419,166 @@
           <a:p>
             <a:r>
               <a:rPr lang="en-US" sz="6000" i="1" dirty="0">
+                <a:solidFill>
+                  <a:srgbClr val="94CDCE"/>
+                </a:solidFill>
                 <a:latin typeface="Arial Black" panose="020B0A04020102020204" pitchFamily="34" charset="0"/>
               </a:rPr>
               <a:t>Poseidon</a:t>
+            </a:r>
+          </a:p>
+        </p:txBody>
+      </p:sp>
+      <p:sp>
+        <p:nvSpPr>
+          <p:cNvPr id="6" name="TextBox 5">
+            <a:extLst>
+              <a:ext uri="{FF2B5EF4-FFF2-40B4-BE49-F238E27FC236}">
+                <a16:creationId xmlns:a16="http://schemas.microsoft.com/office/drawing/2014/main" id="{6D6BFB9D-86A0-4C7A-A184-393A5D96065D}"/>
+              </a:ext>
+            </a:extLst>
+          </p:cNvPr>
+          <p:cNvSpPr txBox="1"/>
+          <p:nvPr/>
+        </p:nvSpPr>
+        <p:spPr>
+          <a:xfrm>
+            <a:off x="10773137" y="3239044"/>
+            <a:ext cx="22959727" cy="1046440"/>
+          </a:xfrm>
+          <a:prstGeom prst="rect">
+            <a:avLst/>
+          </a:prstGeom>
+          <a:noFill/>
+        </p:spPr>
+        <p:txBody>
+          <a:bodyPr wrap="square" rtlCol="0">
+            <a:spAutoFit/>
+          </a:bodyPr>
+          <a:lstStyle/>
+          <a:p>
+            <a:r>
+              <a:rPr lang="en-US" sz="4400" b="1" dirty="0">
+                <a:solidFill>
+                  <a:srgbClr val="455977"/>
+                </a:solidFill>
+                <a:latin typeface="Times New Roman" panose="02020603050405020304" pitchFamily="18" charset="0"/>
+                <a:ea typeface="Gadugi" panose="020B0502040204020203" pitchFamily="34" charset="0"/>
+                <a:cs typeface="Times New Roman" panose="02020603050405020304" pitchFamily="18" charset="0"/>
+              </a:rPr>
+              <a:t>Benjamin Dolin, Elias Ghazal, Bradley Lock, Sarah Rasche, Sean Wan, Veronica Yapriadi</a:t>
+            </a:r>
+          </a:p>
+          <a:p>
+            <a:endParaRPr lang="en-US" dirty="0"/>
+          </a:p>
+        </p:txBody>
+      </p:sp>
+      <p:pic>
+        <p:nvPicPr>
+          <p:cNvPr id="16" name="Picture 15">
+            <a:extLst>
+              <a:ext uri="{FF2B5EF4-FFF2-40B4-BE49-F238E27FC236}">
+                <a16:creationId xmlns:a16="http://schemas.microsoft.com/office/drawing/2014/main" id="{B246609C-B23D-4034-9F26-F7AD3FCD1621}"/>
+              </a:ext>
+            </a:extLst>
+          </p:cNvPr>
+          <p:cNvPicPr>
+            <a:picLocks noChangeAspect="1"/>
+          </p:cNvPicPr>
+          <p:nvPr/>
+        </p:nvPicPr>
+        <p:blipFill>
+          <a:blip r:embed="rId4"/>
+          <a:stretch>
+            <a:fillRect/>
+          </a:stretch>
+        </p:blipFill>
+        <p:spPr>
+          <a:xfrm>
+            <a:off x="-13671662" y="6274675"/>
+            <a:ext cx="13717382" cy="4922501"/>
+          </a:xfrm>
+          <a:prstGeom prst="rect">
+            <a:avLst/>
+          </a:prstGeom>
+        </p:spPr>
+      </p:pic>
+      <p:sp>
+        <p:nvSpPr>
+          <p:cNvPr id="17" name="TextBox 16">
+            <a:extLst>
+              <a:ext uri="{FF2B5EF4-FFF2-40B4-BE49-F238E27FC236}">
+                <a16:creationId xmlns:a16="http://schemas.microsoft.com/office/drawing/2014/main" id="{80FC8DC7-06B3-448F-9299-1AF9E4809AFF}"/>
+              </a:ext>
+            </a:extLst>
+          </p:cNvPr>
+          <p:cNvSpPr txBox="1"/>
+          <p:nvPr/>
+        </p:nvSpPr>
+        <p:spPr>
+          <a:xfrm>
+            <a:off x="-12115800" y="11654395"/>
+            <a:ext cx="7391400" cy="4708981"/>
+          </a:xfrm>
+          <a:prstGeom prst="rect">
+            <a:avLst/>
+          </a:prstGeom>
+          <a:noFill/>
+        </p:spPr>
+        <p:txBody>
+          <a:bodyPr wrap="square" rtlCol="0">
+            <a:spAutoFit/>
+          </a:bodyPr>
+          <a:lstStyle/>
+          <a:p>
+            <a:r>
+              <a:rPr lang="en-US" sz="15000" dirty="0"/>
+              <a:t>Color Scheme?</a:t>
+            </a:r>
+          </a:p>
+        </p:txBody>
+      </p:sp>
+      <p:sp>
+        <p:nvSpPr>
+          <p:cNvPr id="18" name="TextBox 17">
+            <a:extLst>
+              <a:ext uri="{FF2B5EF4-FFF2-40B4-BE49-F238E27FC236}">
+                <a16:creationId xmlns:a16="http://schemas.microsoft.com/office/drawing/2014/main" id="{A7FF27AA-9884-440F-B8D6-6108C30B31DE}"/>
+              </a:ext>
+            </a:extLst>
+          </p:cNvPr>
+          <p:cNvSpPr txBox="1"/>
+          <p:nvPr/>
+        </p:nvSpPr>
+        <p:spPr>
+          <a:xfrm>
+            <a:off x="0" y="9679248"/>
+            <a:ext cx="10287000" cy="1569660"/>
+          </a:xfrm>
+          <a:prstGeom prst="rect">
+            <a:avLst/>
+          </a:prstGeom>
+          <a:solidFill>
+            <a:srgbClr val="455977"/>
+          </a:solidFill>
+        </p:spPr>
+        <p:txBody>
+          <a:bodyPr wrap="square" rtlCol="0">
+            <a:spAutoFit/>
+          </a:bodyPr>
+          <a:lstStyle/>
+          <a:p>
+            <a:pPr algn="ctr"/>
+            <a:r>
+              <a:rPr lang="en-US" sz="9600" dirty="0">
+                <a:solidFill>
+                  <a:srgbClr val="EEEFF7"/>
+                </a:solidFill>
+                <a:latin typeface="Times New Roman" panose="02020603050405020304" pitchFamily="18" charset="0"/>
+                <a:cs typeface="Times New Roman" panose="02020603050405020304" pitchFamily="18" charset="0"/>
+              </a:rPr>
+              <a:t>Walk Around</a:t>
             </a:r>
           </a:p>
         </p:txBody>

--- a/Mother ship poster board.pptx
+++ b/Mother ship poster board.pptx
@@ -3022,6 +3022,13 @@
                 <a:solidFill>
                   <a:srgbClr val="32363D"/>
                 </a:solidFill>
+                <a:effectLst>
+                  <a:outerShdw blurRad="38100" dist="38100" dir="2700000" algn="tl">
+                    <a:srgbClr val="000000">
+                      <a:alpha val="43137"/>
+                    </a:srgbClr>
+                  </a:outerShdw>
+                </a:effectLst>
                 <a:latin typeface="Times New Roman" panose="02020603050405020304" pitchFamily="18" charset="0"/>
                 <a:ea typeface="Gadugi" panose="020B0502040204020203" pitchFamily="34" charset="0"/>
                 <a:cs typeface="Times New Roman" panose="02020603050405020304" pitchFamily="18" charset="0"/>
@@ -3223,13 +3230,19 @@
           </a:lstStyle>
           <a:p>
             <a:r>
-              <a:rPr lang="en-US" sz="9600" dirty="0"/>
+              <a:rPr lang="en-US" sz="9600" dirty="0">
+                <a:latin typeface="Times New Roman" panose="02020603050405020304" pitchFamily="18" charset="0"/>
+                <a:cs typeface="Times New Roman" panose="02020603050405020304" pitchFamily="18" charset="0"/>
+              </a:rPr>
               <a:t>Something about back ground of project</a:t>
             </a:r>
           </a:p>
           <a:p>
             <a:r>
-              <a:rPr lang="en-US" sz="9600" dirty="0"/>
+              <a:rPr lang="en-US" sz="9600" dirty="0">
+                <a:latin typeface="Times New Roman" panose="02020603050405020304" pitchFamily="18" charset="0"/>
+                <a:cs typeface="Times New Roman" panose="02020603050405020304" pitchFamily="18" charset="0"/>
+              </a:rPr>
               <a:t>Veronica</a:t>
             </a:r>
           </a:p>
@@ -3634,7 +3647,10 @@
           </a:lstStyle>
           <a:p>
             <a:r>
-              <a:rPr lang="en-US" sz="9600" dirty="0"/>
+              <a:rPr lang="en-US" sz="9600" dirty="0">
+                <a:latin typeface="Times New Roman" panose="02020603050405020304" pitchFamily="18" charset="0"/>
+                <a:cs typeface="Times New Roman" panose="02020603050405020304" pitchFamily="18" charset="0"/>
+              </a:rPr>
               <a:t>Graphs about Aero and write up about aero</a:t>
             </a:r>
           </a:p>
@@ -3849,8 +3865,8 @@
         </p:nvSpPr>
         <p:spPr>
           <a:xfrm>
-            <a:off x="33438548" y="4267200"/>
-            <a:ext cx="10452652" cy="14774391"/>
+            <a:off x="33438548" y="5713750"/>
+            <a:ext cx="10452652" cy="13327841"/>
           </a:xfrm>
           <a:prstGeom prst="rect">
             <a:avLst/>
@@ -4031,7 +4047,10 @@
           </a:lstStyle>
           <a:p>
             <a:r>
-              <a:rPr lang="en-US" sz="9600" dirty="0"/>
+              <a:rPr lang="en-US" sz="9600" dirty="0">
+                <a:latin typeface="Times New Roman" panose="02020603050405020304" pitchFamily="18" charset="0"/>
+                <a:cs typeface="Times New Roman" panose="02020603050405020304" pitchFamily="18" charset="0"/>
+              </a:rPr>
               <a:t>Interface Mechanism with picture and write up</a:t>
             </a:r>
           </a:p>
@@ -4059,8 +4078,8 @@
         </p:nvSpPr>
         <p:spPr>
           <a:xfrm>
-            <a:off x="0" y="11197176"/>
-            <a:ext cx="10287000" cy="7832946"/>
+            <a:off x="0" y="11078290"/>
+            <a:ext cx="10287000" cy="7951832"/>
           </a:xfrm>
           <a:prstGeom prst="rect">
             <a:avLst/>
@@ -4457,7 +4476,10 @@
           </a:lstStyle>
           <a:p>
             <a:r>
-              <a:rPr lang="en-US" sz="9600" dirty="0"/>
+              <a:rPr lang="en-US" sz="9600" dirty="0">
+                <a:latin typeface="Times New Roman" panose="02020603050405020304" pitchFamily="18" charset="0"/>
+                <a:cs typeface="Times New Roman" panose="02020603050405020304" pitchFamily="18" charset="0"/>
+              </a:rPr>
               <a:t>Graphs about Prop and write up about prop</a:t>
             </a:r>
           </a:p>
@@ -4664,7 +4686,10 @@
           </a:lstStyle>
           <a:p>
             <a:r>
-              <a:rPr lang="en-US" sz="9600" dirty="0"/>
+              <a:rPr lang="en-US" sz="9600" dirty="0">
+                <a:latin typeface="Times New Roman" panose="02020603050405020304" pitchFamily="18" charset="0"/>
+                <a:cs typeface="Times New Roman" panose="02020603050405020304" pitchFamily="18" charset="0"/>
+              </a:rPr>
               <a:t>Graphs about Stability and write up about Stability</a:t>
             </a:r>
           </a:p>
@@ -4689,8 +4714,8 @@
         </p:nvSpPr>
         <p:spPr>
           <a:xfrm>
-            <a:off x="-1" y="19059939"/>
-            <a:ext cx="10311847" cy="12803921"/>
+            <a:off x="-1" y="20536307"/>
+            <a:ext cx="10311847" cy="11327554"/>
           </a:xfrm>
           <a:prstGeom prst="rect">
             <a:avLst/>
@@ -4871,7 +4896,10 @@
           </a:lstStyle>
           <a:p>
             <a:r>
-              <a:rPr lang="en-US" sz="9600" dirty="0"/>
+              <a:rPr lang="en-US" sz="9600" dirty="0">
+                <a:latin typeface="Times New Roman" panose="02020603050405020304" pitchFamily="18" charset="0"/>
+                <a:cs typeface="Times New Roman" panose="02020603050405020304" pitchFamily="18" charset="0"/>
+              </a:rPr>
               <a:t>Fuselage interior</a:t>
             </a:r>
           </a:p>
@@ -4899,8 +4927,8 @@
         </p:nvSpPr>
         <p:spPr>
           <a:xfrm>
-            <a:off x="33445174" y="19059939"/>
-            <a:ext cx="10446026" cy="12803921"/>
+            <a:off x="33445174" y="20504959"/>
+            <a:ext cx="10446026" cy="11358902"/>
           </a:xfrm>
           <a:prstGeom prst="rect">
             <a:avLst/>
@@ -5081,19 +5109,21 @@
           </a:lstStyle>
           <a:p>
             <a:r>
+              <a:rPr lang="en-US" sz="9600" dirty="0">
+                <a:latin typeface="Times New Roman" panose="02020603050405020304" pitchFamily="18" charset="0"/>
+                <a:cs typeface="Times New Roman" panose="02020603050405020304" pitchFamily="18" charset="0"/>
+              </a:rPr>
+              <a:t>Wing and elevator design</a:t>
+            </a:r>
+          </a:p>
+          <a:p>
+            <a:endParaRPr lang="en-US" sz="9600" dirty="0"/>
+          </a:p>
+          <a:p>
+            <a:r>
               <a:rPr lang="en-US" sz="9600" dirty="0"/>
-              <a:t>Wing and elevator design</a:t>
-            </a:r>
-          </a:p>
-          <a:p>
-            <a:endParaRPr lang="en-US" sz="9600" dirty="0"/>
-          </a:p>
-          <a:p>
-            <a:r>
-              <a:rPr lang="en-US" sz="9600"/>
               <a:t>Ben</a:t>
             </a:r>
-            <a:endParaRPr lang="en-US" sz="9600" dirty="0"/>
           </a:p>
         </p:txBody>
       </p:sp>
@@ -5113,6 +5143,9 @@
           <a:prstGeom prst="rect">
             <a:avLst/>
           </a:prstGeom>
+          <a:solidFill>
+            <a:srgbClr val="455977"/>
+          </a:solidFill>
           <a:ln>
             <a:solidFill>
               <a:schemeClr val="tx1"/>
@@ -5289,7 +5322,13 @@
           </a:lstStyle>
           <a:p>
             <a:r>
-              <a:rPr lang="en-US" sz="9600" dirty="0"/>
+              <a:rPr lang="en-US" sz="9600" dirty="0">
+                <a:solidFill>
+                  <a:srgbClr val="EEEFF7"/>
+                </a:solidFill>
+                <a:latin typeface="Times New Roman" panose="02020603050405020304" pitchFamily="18" charset="0"/>
+                <a:cs typeface="Times New Roman" panose="02020603050405020304" pitchFamily="18" charset="0"/>
+              </a:rPr>
               <a:t>Table of general performance parameters</a:t>
             </a:r>
           </a:p>
@@ -5496,7 +5535,7 @@
         </p:blipFill>
         <p:spPr>
           <a:xfrm>
-            <a:off x="-13671662" y="6274675"/>
+            <a:off x="-14641382" y="6310458"/>
             <a:ext cx="13717382" cy="4922501"/>
           </a:xfrm>
           <a:prstGeom prst="rect">
@@ -5553,8 +5592,8 @@
         </p:nvSpPr>
         <p:spPr>
           <a:xfrm>
-            <a:off x="0" y="9679248"/>
-            <a:ext cx="10287000" cy="1569660"/>
+            <a:off x="0" y="9631740"/>
+            <a:ext cx="10287000" cy="1446550"/>
           </a:xfrm>
           <a:prstGeom prst="rect">
             <a:avLst/>
@@ -5571,7 +5610,7 @@
           <a:p>
             <a:pPr algn="ctr"/>
             <a:r>
-              <a:rPr lang="en-US" sz="9600" dirty="0">
+              <a:rPr lang="en-US" sz="8800" dirty="0">
                 <a:solidFill>
                   <a:srgbClr val="EEEFF7"/>
                 </a:solidFill>
@@ -5579,6 +5618,138 @@
                 <a:cs typeface="Times New Roman" panose="02020603050405020304" pitchFamily="18" charset="0"/>
               </a:rPr>
               <a:t>Walk Around</a:t>
+            </a:r>
+          </a:p>
+        </p:txBody>
+      </p:sp>
+      <p:sp>
+        <p:nvSpPr>
+          <p:cNvPr id="21" name="TextBox 20">
+            <a:extLst>
+              <a:ext uri="{FF2B5EF4-FFF2-40B4-BE49-F238E27FC236}">
+                <a16:creationId xmlns:a16="http://schemas.microsoft.com/office/drawing/2014/main" id="{9E253B28-3026-419E-9B00-9E73E0322D06}"/>
+              </a:ext>
+            </a:extLst>
+          </p:cNvPr>
+          <p:cNvSpPr txBox="1"/>
+          <p:nvPr/>
+        </p:nvSpPr>
+        <p:spPr>
+          <a:xfrm>
+            <a:off x="33438548" y="4267200"/>
+            <a:ext cx="10452652" cy="1446550"/>
+          </a:xfrm>
+          <a:prstGeom prst="rect">
+            <a:avLst/>
+          </a:prstGeom>
+          <a:solidFill>
+            <a:srgbClr val="455977"/>
+          </a:solidFill>
+        </p:spPr>
+        <p:txBody>
+          <a:bodyPr wrap="square" rtlCol="0">
+            <a:spAutoFit/>
+          </a:bodyPr>
+          <a:lstStyle/>
+          <a:p>
+            <a:pPr algn="ctr"/>
+            <a:r>
+              <a:rPr lang="en-US" sz="8800" dirty="0">
+                <a:solidFill>
+                  <a:srgbClr val="EEEFF7"/>
+                </a:solidFill>
+                <a:latin typeface="Times New Roman" panose="02020603050405020304" pitchFamily="18" charset="0"/>
+                <a:cs typeface="Times New Roman" panose="02020603050405020304" pitchFamily="18" charset="0"/>
+              </a:rPr>
+              <a:t>Interface Mechanism</a:t>
+            </a:r>
+          </a:p>
+        </p:txBody>
+      </p:sp>
+      <p:sp>
+        <p:nvSpPr>
+          <p:cNvPr id="22" name="TextBox 21">
+            <a:extLst>
+              <a:ext uri="{FF2B5EF4-FFF2-40B4-BE49-F238E27FC236}">
+                <a16:creationId xmlns:a16="http://schemas.microsoft.com/office/drawing/2014/main" id="{1403F928-F017-46E6-A34D-8D01FC007B8B}"/>
+              </a:ext>
+            </a:extLst>
+          </p:cNvPr>
+          <p:cNvSpPr txBox="1"/>
+          <p:nvPr/>
+        </p:nvSpPr>
+        <p:spPr>
+          <a:xfrm>
+            <a:off x="12422" y="19059939"/>
+            <a:ext cx="10287000" cy="1446550"/>
+          </a:xfrm>
+          <a:prstGeom prst="rect">
+            <a:avLst/>
+          </a:prstGeom>
+          <a:solidFill>
+            <a:srgbClr val="455977"/>
+          </a:solidFill>
+        </p:spPr>
+        <p:txBody>
+          <a:bodyPr wrap="square" rtlCol="0">
+            <a:spAutoFit/>
+          </a:bodyPr>
+          <a:lstStyle/>
+          <a:p>
+            <a:pPr algn="ctr"/>
+            <a:r>
+              <a:rPr lang="en-US" sz="8800" dirty="0">
+                <a:solidFill>
+                  <a:srgbClr val="EEEFF7"/>
+                </a:solidFill>
+                <a:latin typeface="Times New Roman" panose="02020603050405020304" pitchFamily="18" charset="0"/>
+                <a:cs typeface="Times New Roman" panose="02020603050405020304" pitchFamily="18" charset="0"/>
+              </a:rPr>
+              <a:t>Fuselage Interior</a:t>
+            </a:r>
+          </a:p>
+        </p:txBody>
+      </p:sp>
+      <p:sp>
+        <p:nvSpPr>
+          <p:cNvPr id="23" name="TextBox 22">
+            <a:extLst>
+              <a:ext uri="{FF2B5EF4-FFF2-40B4-BE49-F238E27FC236}">
+                <a16:creationId xmlns:a16="http://schemas.microsoft.com/office/drawing/2014/main" id="{90D8107B-67A3-4D15-B5E6-D41421EEEA23}"/>
+              </a:ext>
+            </a:extLst>
+          </p:cNvPr>
+          <p:cNvSpPr txBox="1"/>
+          <p:nvPr/>
+        </p:nvSpPr>
+        <p:spPr>
+          <a:xfrm>
+            <a:off x="33451800" y="19050000"/>
+            <a:ext cx="10452652" cy="1446550"/>
+          </a:xfrm>
+          <a:prstGeom prst="rect">
+            <a:avLst/>
+          </a:prstGeom>
+          <a:solidFill>
+            <a:srgbClr val="455977"/>
+          </a:solidFill>
+        </p:spPr>
+        <p:txBody>
+          <a:bodyPr wrap="square" rtlCol="0">
+            <a:spAutoFit/>
+          </a:bodyPr>
+          <a:lstStyle/>
+          <a:p>
+            <a:pPr algn="ctr"/>
+            <a:r>
+              <a:rPr lang="en-US" sz="8800" dirty="0">
+                <a:solidFill>
+                  <a:srgbClr val="EEEFF7"/>
+                </a:solidFill>
+                <a:latin typeface="Times New Roman" panose="02020603050405020304" pitchFamily="18" charset="0"/>
+                <a:cs typeface="Times New Roman" panose="02020603050405020304" pitchFamily="18" charset="0"/>
+              </a:rPr>
+              <a:t>Wing Design</a:t>
             </a:r>
           </a:p>
         </p:txBody>

--- a/Mother ship poster board.pptx
+++ b/Mother ship poster board.pptx
@@ -4927,8 +4927,8 @@
         </p:nvSpPr>
         <p:spPr>
           <a:xfrm>
-            <a:off x="33445174" y="20504959"/>
-            <a:ext cx="10446026" cy="11358902"/>
+            <a:off x="33445174" y="20469857"/>
+            <a:ext cx="10446026" cy="11394004"/>
           </a:xfrm>
           <a:prstGeom prst="rect">
             <a:avLst/>

--- a/Mother ship poster board.pptx
+++ b/Mother ship poster board.pptx
@@ -2994,7 +2994,7 @@
         </p:nvSpPr>
         <p:spPr>
           <a:xfrm>
-            <a:off x="8349097" y="762000"/>
+            <a:off x="8349097" y="228600"/>
             <a:ext cx="26121363" cy="2590800"/>
           </a:xfrm>
         </p:spPr>
@@ -5363,7 +5363,7 @@
         </p:blipFill>
         <p:spPr bwMode="auto">
           <a:xfrm>
-            <a:off x="34470460" y="-381000"/>
+            <a:off x="34470460" y="-621860"/>
             <a:ext cx="8388828" cy="4660460"/>
           </a:xfrm>
           <a:prstGeom prst="rect">
@@ -5410,7 +5410,7 @@
         </p:blipFill>
         <p:spPr bwMode="auto">
           <a:xfrm>
-            <a:off x="139810" y="-1351287"/>
+            <a:off x="139810" y="-1676400"/>
             <a:ext cx="9408174" cy="9408174"/>
           </a:xfrm>
           <a:prstGeom prst="rect">
@@ -5442,7 +5442,7 @@
         </p:nvSpPr>
         <p:spPr>
           <a:xfrm>
-            <a:off x="3505200" y="2799580"/>
+            <a:off x="3505200" y="2514600"/>
             <a:ext cx="4843897" cy="1015663"/>
           </a:xfrm>
           <a:prstGeom prst="rect">
@@ -5459,7 +5459,7 @@
             <a:r>
               <a:rPr lang="en-US" sz="6000" i="1" dirty="0">
                 <a:solidFill>
-                  <a:srgbClr val="94CDCE"/>
+                  <a:srgbClr val="455977"/>
                 </a:solidFill>
                 <a:latin typeface="Arial Black" panose="020B0A04020102020204" pitchFamily="34" charset="0"/>
               </a:rPr>
@@ -5482,7 +5482,7 @@
         </p:nvSpPr>
         <p:spPr>
           <a:xfrm>
-            <a:off x="10773137" y="3239044"/>
+            <a:off x="10773137" y="2514600"/>
             <a:ext cx="22959727" cy="1046440"/>
           </a:xfrm>
           <a:prstGeom prst="rect">
@@ -5750,6 +5750,80 @@
                 <a:cs typeface="Times New Roman" panose="02020603050405020304" pitchFamily="18" charset="0"/>
               </a:rPr>
               <a:t>Wing Design</a:t>
+            </a:r>
+          </a:p>
+        </p:txBody>
+      </p:sp>
+      <p:sp>
+        <p:nvSpPr>
+          <p:cNvPr id="19" name="TextBox 18">
+            <a:extLst>
+              <a:ext uri="{FF2B5EF4-FFF2-40B4-BE49-F238E27FC236}">
+                <a16:creationId xmlns:a16="http://schemas.microsoft.com/office/drawing/2014/main" id="{33873822-3299-446C-AA94-E1FE29F3A8E1}"/>
+              </a:ext>
+            </a:extLst>
+          </p:cNvPr>
+          <p:cNvSpPr txBox="1"/>
+          <p:nvPr/>
+        </p:nvSpPr>
+        <p:spPr>
+          <a:xfrm>
+            <a:off x="-13253" y="3897868"/>
+            <a:ext cx="43904453" cy="369332"/>
+          </a:xfrm>
+          <a:prstGeom prst="rect">
+            <a:avLst/>
+          </a:prstGeom>
+          <a:solidFill>
+            <a:srgbClr val="94CDCE"/>
+          </a:solidFill>
+        </p:spPr>
+        <p:txBody>
+          <a:bodyPr wrap="square" rtlCol="0">
+            <a:spAutoFit/>
+          </a:bodyPr>
+          <a:lstStyle/>
+          <a:p>
+            <a:r>
+              <a:rPr lang="en-US" dirty="0"/>
+              <a:t>.</a:t>
+            </a:r>
+          </a:p>
+        </p:txBody>
+      </p:sp>
+      <p:sp>
+        <p:nvSpPr>
+          <p:cNvPr id="25" name="TextBox 24">
+            <a:extLst>
+              <a:ext uri="{FF2B5EF4-FFF2-40B4-BE49-F238E27FC236}">
+                <a16:creationId xmlns:a16="http://schemas.microsoft.com/office/drawing/2014/main" id="{E38C8685-5968-4715-9CB8-4AAD5430A560}"/>
+              </a:ext>
+            </a:extLst>
+          </p:cNvPr>
+          <p:cNvSpPr txBox="1"/>
+          <p:nvPr/>
+        </p:nvSpPr>
+        <p:spPr>
+          <a:xfrm>
+            <a:off x="0" y="32613600"/>
+            <a:ext cx="43904453" cy="369332"/>
+          </a:xfrm>
+          <a:prstGeom prst="rect">
+            <a:avLst/>
+          </a:prstGeom>
+          <a:solidFill>
+            <a:srgbClr val="94CDCE"/>
+          </a:solidFill>
+        </p:spPr>
+        <p:txBody>
+          <a:bodyPr wrap="square" rtlCol="0">
+            <a:spAutoFit/>
+          </a:bodyPr>
+          <a:lstStyle/>
+          <a:p>
+            <a:r>
+              <a:rPr lang="en-US" dirty="0"/>
+              <a:t>.</a:t>
             </a:r>
           </a:p>
         </p:txBody>

--- a/Mother ship poster board.pptx
+++ b/Mother ship poster board.pptx
@@ -254,7 +254,7 @@
           <a:p>
             <a:fld id="{A9DCEFE4-7BE0-4864-874C-B8DA93E940DD}" type="datetimeFigureOut">
               <a:rPr lang="en-US" smtClean="0"/>
-              <a:t>11/23/2019</a:t>
+              <a:t>11/24/2019</a:t>
             </a:fld>
             <a:endParaRPr lang="en-US"/>
           </a:p>
@@ -424,7 +424,7 @@
           <a:p>
             <a:fld id="{A9DCEFE4-7BE0-4864-874C-B8DA93E940DD}" type="datetimeFigureOut">
               <a:rPr lang="en-US" smtClean="0"/>
-              <a:t>11/23/2019</a:t>
+              <a:t>11/24/2019</a:t>
             </a:fld>
             <a:endParaRPr lang="en-US"/>
           </a:p>
@@ -604,7 +604,7 @@
           <a:p>
             <a:fld id="{A9DCEFE4-7BE0-4864-874C-B8DA93E940DD}" type="datetimeFigureOut">
               <a:rPr lang="en-US" smtClean="0"/>
-              <a:t>11/23/2019</a:t>
+              <a:t>11/24/2019</a:t>
             </a:fld>
             <a:endParaRPr lang="en-US"/>
           </a:p>
@@ -774,7 +774,7 @@
           <a:p>
             <a:fld id="{A9DCEFE4-7BE0-4864-874C-B8DA93E940DD}" type="datetimeFigureOut">
               <a:rPr lang="en-US" smtClean="0"/>
-              <a:t>11/23/2019</a:t>
+              <a:t>11/24/2019</a:t>
             </a:fld>
             <a:endParaRPr lang="en-US"/>
           </a:p>
@@ -1018,7 +1018,7 @@
           <a:p>
             <a:fld id="{A9DCEFE4-7BE0-4864-874C-B8DA93E940DD}" type="datetimeFigureOut">
               <a:rPr lang="en-US" smtClean="0"/>
-              <a:t>11/23/2019</a:t>
+              <a:t>11/24/2019</a:t>
             </a:fld>
             <a:endParaRPr lang="en-US"/>
           </a:p>
@@ -1250,7 +1250,7 @@
           <a:p>
             <a:fld id="{A9DCEFE4-7BE0-4864-874C-B8DA93E940DD}" type="datetimeFigureOut">
               <a:rPr lang="en-US" smtClean="0"/>
-              <a:t>11/23/2019</a:t>
+              <a:t>11/24/2019</a:t>
             </a:fld>
             <a:endParaRPr lang="en-US"/>
           </a:p>
@@ -1617,7 +1617,7 @@
           <a:p>
             <a:fld id="{A9DCEFE4-7BE0-4864-874C-B8DA93E940DD}" type="datetimeFigureOut">
               <a:rPr lang="en-US" smtClean="0"/>
-              <a:t>11/23/2019</a:t>
+              <a:t>11/24/2019</a:t>
             </a:fld>
             <a:endParaRPr lang="en-US"/>
           </a:p>
@@ -1735,7 +1735,7 @@
           <a:p>
             <a:fld id="{A9DCEFE4-7BE0-4864-874C-B8DA93E940DD}" type="datetimeFigureOut">
               <a:rPr lang="en-US" smtClean="0"/>
-              <a:t>11/23/2019</a:t>
+              <a:t>11/24/2019</a:t>
             </a:fld>
             <a:endParaRPr lang="en-US"/>
           </a:p>
@@ -1830,7 +1830,7 @@
           <a:p>
             <a:fld id="{A9DCEFE4-7BE0-4864-874C-B8DA93E940DD}" type="datetimeFigureOut">
               <a:rPr lang="en-US" smtClean="0"/>
-              <a:t>11/23/2019</a:t>
+              <a:t>11/24/2019</a:t>
             </a:fld>
             <a:endParaRPr lang="en-US"/>
           </a:p>
@@ -2107,7 +2107,7 @@
           <a:p>
             <a:fld id="{A9DCEFE4-7BE0-4864-874C-B8DA93E940DD}" type="datetimeFigureOut">
               <a:rPr lang="en-US" smtClean="0"/>
-              <a:t>11/23/2019</a:t>
+              <a:t>11/24/2019</a:t>
             </a:fld>
             <a:endParaRPr lang="en-US"/>
           </a:p>
@@ -2364,7 +2364,7 @@
           <a:p>
             <a:fld id="{A9DCEFE4-7BE0-4864-874C-B8DA93E940DD}" type="datetimeFigureOut">
               <a:rPr lang="en-US" smtClean="0"/>
-              <a:t>11/23/2019</a:t>
+              <a:t>11/24/2019</a:t>
             </a:fld>
             <a:endParaRPr lang="en-US"/>
           </a:p>
@@ -2577,7 +2577,7 @@
           <a:p>
             <a:fld id="{A9DCEFE4-7BE0-4864-874C-B8DA93E940DD}" type="datetimeFigureOut">
               <a:rPr lang="en-US" smtClean="0"/>
-              <a:t>11/23/2019</a:t>
+              <a:t>11/24/2019</a:t>
             </a:fld>
             <a:endParaRPr lang="en-US"/>
           </a:p>
@@ -2994,7 +2994,7 @@
         </p:nvSpPr>
         <p:spPr>
           <a:xfrm>
-            <a:off x="8349097" y="228600"/>
+            <a:off x="8802092" y="712294"/>
             <a:ext cx="26121363" cy="2590800"/>
           </a:xfrm>
         </p:spPr>
@@ -3048,21 +3048,21 @@
         </p:nvSpPr>
         <p:spPr>
           <a:xfrm>
-            <a:off x="0" y="4267200"/>
-            <a:ext cx="10287000" cy="5354748"/>
+            <a:off x="0" y="5713750"/>
+            <a:ext cx="10287000" cy="3908198"/>
           </a:xfrm>
           <a:prstGeom prst="rect">
             <a:avLst/>
           </a:prstGeom>
-          <a:ln>
+          <a:ln w="6350">
             <a:solidFill>
-              <a:schemeClr val="tx1"/>
+              <a:srgbClr val="32363D"/>
             </a:solidFill>
           </a:ln>
         </p:spPr>
         <p:txBody>
           <a:bodyPr vert="horz" lIns="91440" tIns="45720" rIns="91440" bIns="45720" rtlCol="0">
-            <a:normAutofit fontScale="92500" lnSpcReduction="10000"/>
+            <a:normAutofit fontScale="85000" lnSpcReduction="10000"/>
           </a:bodyPr>
           <a:lstStyle>
             <a:lvl1pPr marL="0" indent="0" algn="ctr" defTabSz="4389120" rtl="0" eaLnBrk="1" latinLnBrk="0" hangingPunct="1">
@@ -3266,7 +3266,7 @@
           </a:prstGeom>
           <a:ln>
             <a:solidFill>
-              <a:schemeClr val="tx1"/>
+              <a:srgbClr val="32363D"/>
             </a:solidFill>
           </a:ln>
         </p:spPr>
@@ -3465,15 +3465,15 @@
         </p:nvSpPr>
         <p:spPr>
           <a:xfrm>
-            <a:off x="10287000" y="19050000"/>
-            <a:ext cx="7873448" cy="12793982"/>
+            <a:off x="10287000" y="19049999"/>
+            <a:ext cx="7873448" cy="13639799"/>
           </a:xfrm>
           <a:prstGeom prst="rect">
             <a:avLst/>
           </a:prstGeom>
           <a:ln>
             <a:solidFill>
-              <a:schemeClr val="tx1"/>
+              <a:srgbClr val="455977"/>
             </a:solidFill>
           </a:ln>
         </p:spPr>
@@ -3871,9 +3871,9 @@
           <a:prstGeom prst="rect">
             <a:avLst/>
           </a:prstGeom>
-          <a:ln>
+          <a:ln w="6350">
             <a:solidFill>
-              <a:schemeClr val="tx1"/>
+              <a:srgbClr val="455977"/>
             </a:solidFill>
           </a:ln>
         </p:spPr>
@@ -4078,15 +4078,15 @@
         </p:nvSpPr>
         <p:spPr>
           <a:xfrm>
-            <a:off x="0" y="11078290"/>
-            <a:ext cx="10287000" cy="7951832"/>
+            <a:off x="0" y="11078289"/>
+            <a:ext cx="10287000" cy="7981649"/>
           </a:xfrm>
           <a:prstGeom prst="rect">
             <a:avLst/>
           </a:prstGeom>
-          <a:ln>
+          <a:ln w="6350">
             <a:solidFill>
-              <a:schemeClr val="tx1"/>
+              <a:srgbClr val="455977"/>
             </a:solidFill>
           </a:ln>
         </p:spPr>
@@ -4272,7 +4272,7 @@
                 <a:latin typeface="Times New Roman" panose="02020603050405020304" pitchFamily="18" charset="0"/>
                 <a:cs typeface="Times New Roman" panose="02020603050405020304" pitchFamily="18" charset="0"/>
               </a:rPr>
-              <a:t>The aircraft is a high wing, H-tail configuration with a double carbon fiber rod boom connecting the fuselage and the tail. The glider is placed underneath the booms and connected to the fuselage. The fuselage holes all of the electronics and the motor is attached to the outside of the fuselage. The landing gear is a tail dragger configuration to allow space for the glider.</a:t>
+              <a:t>    The aircraft is a high wing, H-tail configuration with a double carbon fiber rod boom connecting the fuselage and the tail. The glider is placed underneath the booms and connected to the fuselage. The fuselage holes all of the electronics and the motor is attached to the outside of the fuselage. The landing gear is a tail dragger configuration to allow space for the glider.</a:t>
             </a:r>
             <a:endParaRPr lang="en-US" sz="8000" dirty="0">
               <a:solidFill>
@@ -4295,14 +4295,14 @@
         <p:spPr>
           <a:xfrm>
             <a:off x="26014018" y="19050000"/>
-            <a:ext cx="7424530" cy="12793982"/>
+            <a:ext cx="7424530" cy="13639798"/>
           </a:xfrm>
           <a:prstGeom prst="rect">
             <a:avLst/>
           </a:prstGeom>
-          <a:ln>
+          <a:ln w="6350">
             <a:solidFill>
-              <a:schemeClr val="tx1"/>
+              <a:srgbClr val="455977"/>
             </a:solidFill>
           </a:ln>
         </p:spPr>
@@ -4505,14 +4505,14 @@
         <p:spPr>
           <a:xfrm>
             <a:off x="18167074" y="19050000"/>
-            <a:ext cx="7840318" cy="12813860"/>
+            <a:ext cx="7840318" cy="13563600"/>
           </a:xfrm>
           <a:prstGeom prst="rect">
             <a:avLst/>
           </a:prstGeom>
-          <a:ln>
+          <a:ln w="6350">
             <a:solidFill>
-              <a:schemeClr val="tx1"/>
+              <a:srgbClr val="455977"/>
             </a:solidFill>
           </a:ln>
         </p:spPr>
@@ -4714,15 +4714,15 @@
         </p:nvSpPr>
         <p:spPr>
           <a:xfrm>
-            <a:off x="-1" y="20536307"/>
-            <a:ext cx="10311847" cy="11327554"/>
+            <a:off x="0" y="20469856"/>
+            <a:ext cx="10273748" cy="12219943"/>
           </a:xfrm>
           <a:prstGeom prst="rect">
             <a:avLst/>
           </a:prstGeom>
-          <a:ln>
+          <a:ln w="6350">
             <a:solidFill>
-              <a:schemeClr val="tx1"/>
+              <a:srgbClr val="455977"/>
             </a:solidFill>
           </a:ln>
         </p:spPr>
@@ -4927,15 +4927,15 @@
         </p:nvSpPr>
         <p:spPr>
           <a:xfrm>
-            <a:off x="33445174" y="20469857"/>
-            <a:ext cx="10446026" cy="11394004"/>
+            <a:off x="33445174" y="20469856"/>
+            <a:ext cx="10446026" cy="12143743"/>
           </a:xfrm>
           <a:prstGeom prst="rect">
             <a:avLst/>
           </a:prstGeom>
-          <a:ln>
+          <a:ln w="6350">
             <a:solidFill>
-              <a:schemeClr val="tx1"/>
+              <a:srgbClr val="455977"/>
             </a:solidFill>
           </a:ln>
         </p:spPr>
@@ -5148,7 +5148,7 @@
           </a:solidFill>
           <a:ln>
             <a:solidFill>
-              <a:schemeClr val="tx1"/>
+              <a:srgbClr val="455977"/>
             </a:solidFill>
           </a:ln>
         </p:spPr>
@@ -5363,8 +5363,8 @@
         </p:blipFill>
         <p:spPr bwMode="auto">
           <a:xfrm>
-            <a:off x="34470460" y="-621860"/>
-            <a:ext cx="8388828" cy="4660460"/>
+            <a:off x="35274253" y="-133666"/>
+            <a:ext cx="7708894" cy="4282719"/>
           </a:xfrm>
           <a:prstGeom prst="rect">
             <a:avLst/>
@@ -5410,7 +5410,7 @@
         </p:blipFill>
         <p:spPr bwMode="auto">
           <a:xfrm>
-            <a:off x="139810" y="-1676400"/>
+            <a:off x="139810" y="-1407174"/>
             <a:ext cx="9408174" cy="9408174"/>
           </a:xfrm>
           <a:prstGeom prst="rect">
@@ -5442,7 +5442,7 @@
         </p:nvSpPr>
         <p:spPr>
           <a:xfrm>
-            <a:off x="3505200" y="2514600"/>
+            <a:off x="3614303" y="1905000"/>
             <a:ext cx="4843897" cy="1015663"/>
           </a:xfrm>
           <a:prstGeom prst="rect">
@@ -5482,7 +5482,7 @@
         </p:nvSpPr>
         <p:spPr>
           <a:xfrm>
-            <a:off x="10773137" y="2514600"/>
+            <a:off x="10931255" y="3005316"/>
             <a:ext cx="22959727" cy="1046440"/>
           </a:xfrm>
           <a:prstGeom prst="rect">
@@ -5535,8 +5535,8 @@
         </p:blipFill>
         <p:spPr>
           <a:xfrm>
-            <a:off x="-14641382" y="6310458"/>
-            <a:ext cx="13717382" cy="4922501"/>
+            <a:off x="-9656747" y="5713750"/>
+            <a:ext cx="9255314" cy="3321282"/>
           </a:xfrm>
           <a:prstGeom prst="rect">
             <a:avLst/>
@@ -5557,7 +5557,7 @@
         </p:nvSpPr>
         <p:spPr>
           <a:xfrm>
-            <a:off x="-12115800" y="11654395"/>
+            <a:off x="-8670235" y="9596548"/>
             <a:ext cx="7391400" cy="4708981"/>
           </a:xfrm>
           <a:prstGeom prst="rect">
@@ -5645,6 +5645,11 @@
           <a:solidFill>
             <a:srgbClr val="455977"/>
           </a:solidFill>
+          <a:ln>
+            <a:solidFill>
+              <a:srgbClr val="455977"/>
+            </a:solidFill>
+          </a:ln>
         </p:spPr>
         <p:txBody>
           <a:bodyPr wrap="square" rtlCol="0">
@@ -5680,7 +5685,7 @@
         </p:nvSpPr>
         <p:spPr>
           <a:xfrm>
-            <a:off x="12422" y="19059939"/>
+            <a:off x="0" y="19059939"/>
             <a:ext cx="10287000" cy="1446550"/>
           </a:xfrm>
           <a:prstGeom prst="rect">
@@ -5689,6 +5694,11 @@
           <a:solidFill>
             <a:srgbClr val="455977"/>
           </a:solidFill>
+          <a:ln>
+            <a:solidFill>
+              <a:srgbClr val="455977"/>
+            </a:solidFill>
+          </a:ln>
         </p:spPr>
         <p:txBody>
           <a:bodyPr wrap="square" rtlCol="0">
@@ -5733,6 +5743,11 @@
           <a:solidFill>
             <a:srgbClr val="455977"/>
           </a:solidFill>
+          <a:ln>
+            <a:solidFill>
+              <a:srgbClr val="455977"/>
+            </a:solidFill>
+          </a:ln>
         </p:spPr>
         <p:txBody>
           <a:bodyPr wrap="square" rtlCol="0">
@@ -5824,6 +5839,92 @@
             <a:r>
               <a:rPr lang="en-US" dirty="0"/>
               <a:t>.</a:t>
+            </a:r>
+          </a:p>
+        </p:txBody>
+      </p:sp>
+      <p:sp>
+        <p:nvSpPr>
+          <p:cNvPr id="26" name="TextBox 25">
+            <a:extLst>
+              <a:ext uri="{FF2B5EF4-FFF2-40B4-BE49-F238E27FC236}">
+                <a16:creationId xmlns:a16="http://schemas.microsoft.com/office/drawing/2014/main" id="{E5B13120-157A-4E47-A28F-F80CDF6B8FB1}"/>
+              </a:ext>
+            </a:extLst>
+          </p:cNvPr>
+          <p:cNvSpPr txBox="1"/>
+          <p:nvPr/>
+        </p:nvSpPr>
+        <p:spPr>
+          <a:xfrm>
+            <a:off x="-13253" y="-14770"/>
+            <a:ext cx="43904453" cy="369332"/>
+          </a:xfrm>
+          <a:prstGeom prst="rect">
+            <a:avLst/>
+          </a:prstGeom>
+          <a:solidFill>
+            <a:srgbClr val="94CDCE"/>
+          </a:solidFill>
+        </p:spPr>
+        <p:txBody>
+          <a:bodyPr wrap="square" rtlCol="0">
+            <a:spAutoFit/>
+          </a:bodyPr>
+          <a:lstStyle/>
+          <a:p>
+            <a:r>
+              <a:rPr lang="en-US" dirty="0"/>
+              <a:t>.</a:t>
+            </a:r>
+          </a:p>
+        </p:txBody>
+      </p:sp>
+      <p:sp>
+        <p:nvSpPr>
+          <p:cNvPr id="27" name="TextBox 26">
+            <a:extLst>
+              <a:ext uri="{FF2B5EF4-FFF2-40B4-BE49-F238E27FC236}">
+                <a16:creationId xmlns:a16="http://schemas.microsoft.com/office/drawing/2014/main" id="{EA7CDF39-3BA2-4DFC-9A0A-8A2067734495}"/>
+              </a:ext>
+            </a:extLst>
+          </p:cNvPr>
+          <p:cNvSpPr txBox="1"/>
+          <p:nvPr/>
+        </p:nvSpPr>
+        <p:spPr>
+          <a:xfrm>
+            <a:off x="0" y="4247322"/>
+            <a:ext cx="10287000" cy="1446550"/>
+          </a:xfrm>
+          <a:prstGeom prst="rect">
+            <a:avLst/>
+          </a:prstGeom>
+          <a:solidFill>
+            <a:srgbClr val="455977"/>
+          </a:solidFill>
+          <a:ln>
+            <a:solidFill>
+              <a:srgbClr val="455977"/>
+            </a:solidFill>
+          </a:ln>
+        </p:spPr>
+        <p:txBody>
+          <a:bodyPr wrap="square" rtlCol="0">
+            <a:spAutoFit/>
+          </a:bodyPr>
+          <a:lstStyle/>
+          <a:p>
+            <a:pPr algn="ctr"/>
+            <a:r>
+              <a:rPr lang="en-US" sz="8800" dirty="0">
+                <a:solidFill>
+                  <a:srgbClr val="EEEFF7"/>
+                </a:solidFill>
+                <a:latin typeface="Times New Roman" panose="02020603050405020304" pitchFamily="18" charset="0"/>
+                <a:cs typeface="Times New Roman" panose="02020603050405020304" pitchFamily="18" charset="0"/>
+              </a:rPr>
+              <a:t>Project Objective</a:t>
             </a:r>
           </a:p>
         </p:txBody>

--- a/Mother ship poster board.pptx
+++ b/Mother ship poster board.pptx
@@ -3231,6 +3231,9 @@
           <a:p>
             <a:r>
               <a:rPr lang="en-US" sz="9600" dirty="0">
+                <a:solidFill>
+                  <a:srgbClr val="32363D"/>
+                </a:solidFill>
                 <a:latin typeface="Times New Roman" panose="02020603050405020304" pitchFamily="18" charset="0"/>
                 <a:cs typeface="Times New Roman" panose="02020603050405020304" pitchFamily="18" charset="0"/>
               </a:rPr>
@@ -3240,6 +3243,9 @@
           <a:p>
             <a:r>
               <a:rPr lang="en-US" sz="9600" dirty="0">
+                <a:solidFill>
+                  <a:srgbClr val="32363D"/>
+                </a:solidFill>
                 <a:latin typeface="Times New Roman" panose="02020603050405020304" pitchFamily="18" charset="0"/>
                 <a:cs typeface="Times New Roman" panose="02020603050405020304" pitchFamily="18" charset="0"/>
               </a:rPr>
@@ -3439,19 +3445,7 @@
             </a:lvl9pPr>
           </a:lstStyle>
           <a:p>
-            <a:r>
-              <a:rPr lang="en-US" sz="6000" dirty="0"/>
-              <a:t>*Picture of Mothership</a:t>
-            </a:r>
-          </a:p>
-          <a:p>
             <a:endParaRPr lang="en-US" sz="6000" dirty="0"/>
-          </a:p>
-          <a:p>
-            <a:r>
-              <a:rPr lang="en-US" sz="6000" dirty="0"/>
-              <a:t>Sarah</a:t>
-            </a:r>
           </a:p>
         </p:txBody>
       </p:sp>
@@ -3648,6 +3642,9 @@
           <a:p>
             <a:r>
               <a:rPr lang="en-US" sz="9600" dirty="0">
+                <a:solidFill>
+                  <a:srgbClr val="32363D"/>
+                </a:solidFill>
                 <a:latin typeface="Times New Roman" panose="02020603050405020304" pitchFamily="18" charset="0"/>
                 <a:cs typeface="Times New Roman" panose="02020603050405020304" pitchFamily="18" charset="0"/>
               </a:rPr>
@@ -3655,11 +3652,23 @@
             </a:r>
           </a:p>
           <a:p>
-            <a:endParaRPr lang="en-US" sz="9600" dirty="0"/>
-          </a:p>
-          <a:p>
-            <a:r>
-              <a:rPr lang="en-US" sz="9600" dirty="0"/>
+            <a:endParaRPr lang="en-US" sz="9600" dirty="0">
+              <a:solidFill>
+                <a:srgbClr val="32363D"/>
+              </a:solidFill>
+              <a:latin typeface="Times New Roman" panose="02020603050405020304" pitchFamily="18" charset="0"/>
+              <a:cs typeface="Times New Roman" panose="02020603050405020304" pitchFamily="18" charset="0"/>
+            </a:endParaRPr>
+          </a:p>
+          <a:p>
+            <a:r>
+              <a:rPr lang="en-US" sz="9600" dirty="0">
+                <a:solidFill>
+                  <a:srgbClr val="32363D"/>
+                </a:solidFill>
+                <a:latin typeface="Times New Roman" panose="02020603050405020304" pitchFamily="18" charset="0"/>
+                <a:cs typeface="Times New Roman" panose="02020603050405020304" pitchFamily="18" charset="0"/>
+              </a:rPr>
               <a:t>Elias</a:t>
             </a:r>
           </a:p>
@@ -4048,6 +4057,9 @@
           <a:p>
             <a:r>
               <a:rPr lang="en-US" sz="9600" dirty="0">
+                <a:solidFill>
+                  <a:srgbClr val="32363D"/>
+                </a:solidFill>
                 <a:latin typeface="Times New Roman" panose="02020603050405020304" pitchFamily="18" charset="0"/>
                 <a:cs typeface="Times New Roman" panose="02020603050405020304" pitchFamily="18" charset="0"/>
               </a:rPr>
@@ -4055,14 +4067,28 @@
             </a:r>
           </a:p>
           <a:p>
-            <a:endParaRPr lang="en-US" sz="9600" dirty="0"/>
-          </a:p>
-          <a:p>
-            <a:endParaRPr lang="en-US" sz="9600" dirty="0"/>
-          </a:p>
-          <a:p>
-            <a:r>
-              <a:rPr lang="en-US" sz="9600" dirty="0"/>
+            <a:endParaRPr lang="en-US" sz="9600" dirty="0">
+              <a:solidFill>
+                <a:srgbClr val="32363D"/>
+              </a:solidFill>
+            </a:endParaRPr>
+          </a:p>
+          <a:p>
+            <a:endParaRPr lang="en-US" sz="9600" dirty="0">
+              <a:solidFill>
+                <a:srgbClr val="32363D"/>
+              </a:solidFill>
+            </a:endParaRPr>
+          </a:p>
+          <a:p>
+            <a:r>
+              <a:rPr lang="en-US" sz="9600" dirty="0">
+                <a:solidFill>
+                  <a:srgbClr val="32363D"/>
+                </a:solidFill>
+                <a:latin typeface="Times New Roman" panose="02020603050405020304" pitchFamily="18" charset="0"/>
+                <a:cs typeface="Times New Roman" panose="02020603050405020304" pitchFamily="18" charset="0"/>
+              </a:rPr>
               <a:t>Brad</a:t>
             </a:r>
           </a:p>
@@ -4272,7 +4298,7 @@
                 <a:latin typeface="Times New Roman" panose="02020603050405020304" pitchFamily="18" charset="0"/>
                 <a:cs typeface="Times New Roman" panose="02020603050405020304" pitchFamily="18" charset="0"/>
               </a:rPr>
-              <a:t>    The aircraft is a high wing, H-tail configuration with a double carbon fiber rod boom connecting the fuselage and the tail. The glider is placed underneath the booms and connected to the fuselage. The fuselage holes all of the electronics and the motor is attached to the outside of the fuselage. The landing gear is a tail dragger configuration to allow space for the glider.</a:t>
+              <a:t>    The aircraft is a high wing, H-tail configuration with a double carbon fiber rod boom connecting the fuselage and the tail. The glider is placed underneath the booms and connected to the fuselage. The fuselage holds all of the electronics and the motor is attached to the outside of the fuselage. The landing gear is a tail dragger configuration to allow space for the glider.</a:t>
             </a:r>
             <a:endParaRPr lang="en-US" sz="8000" dirty="0">
               <a:solidFill>
@@ -4477,6 +4503,9 @@
           <a:p>
             <a:r>
               <a:rPr lang="en-US" sz="9600" dirty="0">
+                <a:solidFill>
+                  <a:srgbClr val="32363D"/>
+                </a:solidFill>
                 <a:latin typeface="Times New Roman" panose="02020603050405020304" pitchFamily="18" charset="0"/>
                 <a:cs typeface="Times New Roman" panose="02020603050405020304" pitchFamily="18" charset="0"/>
               </a:rPr>
@@ -4484,11 +4513,21 @@
             </a:r>
           </a:p>
           <a:p>
-            <a:endParaRPr lang="en-US" sz="9600" dirty="0"/>
-          </a:p>
-          <a:p>
-            <a:r>
-              <a:rPr lang="en-US" sz="9600" dirty="0"/>
+            <a:endParaRPr lang="en-US" sz="9600" dirty="0">
+              <a:solidFill>
+                <a:srgbClr val="32363D"/>
+              </a:solidFill>
+            </a:endParaRPr>
+          </a:p>
+          <a:p>
+            <a:r>
+              <a:rPr lang="en-US" sz="9600" dirty="0">
+                <a:solidFill>
+                  <a:srgbClr val="32363D"/>
+                </a:solidFill>
+                <a:latin typeface="Times New Roman" panose="02020603050405020304" pitchFamily="18" charset="0"/>
+                <a:cs typeface="Times New Roman" panose="02020603050405020304" pitchFamily="18" charset="0"/>
+              </a:rPr>
               <a:t>Veronica</a:t>
             </a:r>
           </a:p>
@@ -4687,6 +4726,9 @@
           <a:p>
             <a:r>
               <a:rPr lang="en-US" sz="9600" dirty="0">
+                <a:solidFill>
+                  <a:srgbClr val="32363D"/>
+                </a:solidFill>
                 <a:latin typeface="Times New Roman" panose="02020603050405020304" pitchFamily="18" charset="0"/>
                 <a:cs typeface="Times New Roman" panose="02020603050405020304" pitchFamily="18" charset="0"/>
               </a:rPr>
@@ -4694,11 +4736,21 @@
             </a:r>
           </a:p>
           <a:p>
-            <a:endParaRPr lang="en-US" sz="9600" dirty="0"/>
-          </a:p>
-          <a:p>
-            <a:r>
-              <a:rPr lang="en-US" sz="9600" dirty="0"/>
+            <a:endParaRPr lang="en-US" sz="9600" dirty="0">
+              <a:solidFill>
+                <a:srgbClr val="32363D"/>
+              </a:solidFill>
+            </a:endParaRPr>
+          </a:p>
+          <a:p>
+            <a:r>
+              <a:rPr lang="en-US" sz="9600" dirty="0">
+                <a:solidFill>
+                  <a:srgbClr val="32363D"/>
+                </a:solidFill>
+                <a:latin typeface="Times New Roman" panose="02020603050405020304" pitchFamily="18" charset="0"/>
+                <a:cs typeface="Times New Roman" panose="02020603050405020304" pitchFamily="18" charset="0"/>
+              </a:rPr>
               <a:t>Elias</a:t>
             </a:r>
           </a:p>
@@ -4897,6 +4949,9 @@
           <a:p>
             <a:r>
               <a:rPr lang="en-US" sz="9600" dirty="0">
+                <a:solidFill>
+                  <a:srgbClr val="32363D"/>
+                </a:solidFill>
                 <a:latin typeface="Times New Roman" panose="02020603050405020304" pitchFamily="18" charset="0"/>
                 <a:cs typeface="Times New Roman" panose="02020603050405020304" pitchFamily="18" charset="0"/>
               </a:rPr>
@@ -4904,14 +4959,32 @@
             </a:r>
           </a:p>
           <a:p>
-            <a:endParaRPr lang="en-US" sz="9600" dirty="0"/>
-          </a:p>
-          <a:p>
-            <a:endParaRPr lang="en-US" sz="9600" dirty="0"/>
-          </a:p>
-          <a:p>
-            <a:r>
-              <a:rPr lang="en-US" sz="9600" dirty="0"/>
+            <a:endParaRPr lang="en-US" sz="9600" dirty="0">
+              <a:solidFill>
+                <a:srgbClr val="32363D"/>
+              </a:solidFill>
+              <a:latin typeface="Times New Roman" panose="02020603050405020304" pitchFamily="18" charset="0"/>
+              <a:cs typeface="Times New Roman" panose="02020603050405020304" pitchFamily="18" charset="0"/>
+            </a:endParaRPr>
+          </a:p>
+          <a:p>
+            <a:endParaRPr lang="en-US" sz="9600" dirty="0">
+              <a:solidFill>
+                <a:srgbClr val="32363D"/>
+              </a:solidFill>
+              <a:latin typeface="Times New Roman" panose="02020603050405020304" pitchFamily="18" charset="0"/>
+              <a:cs typeface="Times New Roman" panose="02020603050405020304" pitchFamily="18" charset="0"/>
+            </a:endParaRPr>
+          </a:p>
+          <a:p>
+            <a:r>
+              <a:rPr lang="en-US" sz="9600" dirty="0">
+                <a:solidFill>
+                  <a:srgbClr val="32363D"/>
+                </a:solidFill>
+                <a:latin typeface="Times New Roman" panose="02020603050405020304" pitchFamily="18" charset="0"/>
+                <a:cs typeface="Times New Roman" panose="02020603050405020304" pitchFamily="18" charset="0"/>
+              </a:rPr>
               <a:t>Sean</a:t>
             </a:r>
           </a:p>
@@ -5110,6 +5183,9 @@
           <a:p>
             <a:r>
               <a:rPr lang="en-US" sz="9600" dirty="0">
+                <a:solidFill>
+                  <a:srgbClr val="32363D"/>
+                </a:solidFill>
                 <a:latin typeface="Times New Roman" panose="02020603050405020304" pitchFamily="18" charset="0"/>
                 <a:cs typeface="Times New Roman" panose="02020603050405020304" pitchFamily="18" charset="0"/>
               </a:rPr>
@@ -5117,11 +5193,21 @@
             </a:r>
           </a:p>
           <a:p>
-            <a:endParaRPr lang="en-US" sz="9600" dirty="0"/>
-          </a:p>
-          <a:p>
-            <a:r>
-              <a:rPr lang="en-US" sz="9600" dirty="0"/>
+            <a:endParaRPr lang="en-US" sz="9600" dirty="0">
+              <a:solidFill>
+                <a:srgbClr val="32363D"/>
+              </a:solidFill>
+            </a:endParaRPr>
+          </a:p>
+          <a:p>
+            <a:r>
+              <a:rPr lang="en-US" sz="9600" dirty="0">
+                <a:solidFill>
+                  <a:srgbClr val="32363D"/>
+                </a:solidFill>
+                <a:latin typeface="Times New Roman" panose="02020603050405020304" pitchFamily="18" charset="0"/>
+                <a:cs typeface="Times New Roman" panose="02020603050405020304" pitchFamily="18" charset="0"/>
+              </a:rPr>
               <a:t>Ben</a:t>
             </a:r>
           </a:p>
@@ -5929,6 +6015,42 @@
           </a:p>
         </p:txBody>
       </p:sp>
+      <p:pic>
+        <p:nvPicPr>
+          <p:cNvPr id="24" name="Picture 23">
+            <a:extLst>
+              <a:ext uri="{FF2B5EF4-FFF2-40B4-BE49-F238E27FC236}">
+                <a16:creationId xmlns:a16="http://schemas.microsoft.com/office/drawing/2014/main" id="{EFFA88B3-3EDD-4761-99B0-0313BE776317}"/>
+              </a:ext>
+            </a:extLst>
+          </p:cNvPr>
+          <p:cNvPicPr>
+            <a:picLocks noChangeAspect="1"/>
+          </p:cNvPicPr>
+          <p:nvPr/>
+        </p:nvPicPr>
+        <p:blipFill>
+          <a:blip r:embed="rId5">
+            <a:extLst>
+              <a:ext uri="{28A0092B-C50C-407E-A947-70E740481C1C}">
+                <a14:useLocalDpi xmlns:a14="http://schemas.microsoft.com/office/drawing/2010/main" val="0"/>
+              </a:ext>
+            </a:extLst>
+          </a:blip>
+          <a:stretch>
+            <a:fillRect/>
+          </a:stretch>
+        </p:blipFill>
+        <p:spPr>
+          <a:xfrm>
+            <a:off x="10363200" y="4328374"/>
+            <a:ext cx="23056567" cy="12588026"/>
+          </a:xfrm>
+          <a:prstGeom prst="rect">
+            <a:avLst/>
+          </a:prstGeom>
+        </p:spPr>
+      </p:pic>
     </p:spTree>
     <p:extLst>
       <p:ext uri="{BB962C8B-B14F-4D97-AF65-F5344CB8AC3E}">

--- a/Mother ship poster board.pptx
+++ b/Mother ship poster board.pptx
@@ -254,7 +254,7 @@
           <a:p>
             <a:fld id="{A9DCEFE4-7BE0-4864-874C-B8DA93E940DD}" type="datetimeFigureOut">
               <a:rPr lang="en-US" smtClean="0"/>
-              <a:t>11/24/2019</a:t>
+              <a:t>11/25/2019</a:t>
             </a:fld>
             <a:endParaRPr lang="en-US"/>
           </a:p>
@@ -424,7 +424,7 @@
           <a:p>
             <a:fld id="{A9DCEFE4-7BE0-4864-874C-B8DA93E940DD}" type="datetimeFigureOut">
               <a:rPr lang="en-US" smtClean="0"/>
-              <a:t>11/24/2019</a:t>
+              <a:t>11/25/2019</a:t>
             </a:fld>
             <a:endParaRPr lang="en-US"/>
           </a:p>
@@ -604,7 +604,7 @@
           <a:p>
             <a:fld id="{A9DCEFE4-7BE0-4864-874C-B8DA93E940DD}" type="datetimeFigureOut">
               <a:rPr lang="en-US" smtClean="0"/>
-              <a:t>11/24/2019</a:t>
+              <a:t>11/25/2019</a:t>
             </a:fld>
             <a:endParaRPr lang="en-US"/>
           </a:p>
@@ -774,7 +774,7 @@
           <a:p>
             <a:fld id="{A9DCEFE4-7BE0-4864-874C-B8DA93E940DD}" type="datetimeFigureOut">
               <a:rPr lang="en-US" smtClean="0"/>
-              <a:t>11/24/2019</a:t>
+              <a:t>11/25/2019</a:t>
             </a:fld>
             <a:endParaRPr lang="en-US"/>
           </a:p>
@@ -1018,7 +1018,7 @@
           <a:p>
             <a:fld id="{A9DCEFE4-7BE0-4864-874C-B8DA93E940DD}" type="datetimeFigureOut">
               <a:rPr lang="en-US" smtClean="0"/>
-              <a:t>11/24/2019</a:t>
+              <a:t>11/25/2019</a:t>
             </a:fld>
             <a:endParaRPr lang="en-US"/>
           </a:p>
@@ -1250,7 +1250,7 @@
           <a:p>
             <a:fld id="{A9DCEFE4-7BE0-4864-874C-B8DA93E940DD}" type="datetimeFigureOut">
               <a:rPr lang="en-US" smtClean="0"/>
-              <a:t>11/24/2019</a:t>
+              <a:t>11/25/2019</a:t>
             </a:fld>
             <a:endParaRPr lang="en-US"/>
           </a:p>
@@ -1617,7 +1617,7 @@
           <a:p>
             <a:fld id="{A9DCEFE4-7BE0-4864-874C-B8DA93E940DD}" type="datetimeFigureOut">
               <a:rPr lang="en-US" smtClean="0"/>
-              <a:t>11/24/2019</a:t>
+              <a:t>11/25/2019</a:t>
             </a:fld>
             <a:endParaRPr lang="en-US"/>
           </a:p>
@@ -1735,7 +1735,7 @@
           <a:p>
             <a:fld id="{A9DCEFE4-7BE0-4864-874C-B8DA93E940DD}" type="datetimeFigureOut">
               <a:rPr lang="en-US" smtClean="0"/>
-              <a:t>11/24/2019</a:t>
+              <a:t>11/25/2019</a:t>
             </a:fld>
             <a:endParaRPr lang="en-US"/>
           </a:p>
@@ -1830,7 +1830,7 @@
           <a:p>
             <a:fld id="{A9DCEFE4-7BE0-4864-874C-B8DA93E940DD}" type="datetimeFigureOut">
               <a:rPr lang="en-US" smtClean="0"/>
-              <a:t>11/24/2019</a:t>
+              <a:t>11/25/2019</a:t>
             </a:fld>
             <a:endParaRPr lang="en-US"/>
           </a:p>
@@ -2107,7 +2107,7 @@
           <a:p>
             <a:fld id="{A9DCEFE4-7BE0-4864-874C-B8DA93E940DD}" type="datetimeFigureOut">
               <a:rPr lang="en-US" smtClean="0"/>
-              <a:t>11/24/2019</a:t>
+              <a:t>11/25/2019</a:t>
             </a:fld>
             <a:endParaRPr lang="en-US"/>
           </a:p>
@@ -2364,7 +2364,7 @@
           <a:p>
             <a:fld id="{A9DCEFE4-7BE0-4864-874C-B8DA93E940DD}" type="datetimeFigureOut">
               <a:rPr lang="en-US" smtClean="0"/>
-              <a:t>11/24/2019</a:t>
+              <a:t>11/25/2019</a:t>
             </a:fld>
             <a:endParaRPr lang="en-US"/>
           </a:p>
@@ -2577,7 +2577,7 @@
           <a:p>
             <a:fld id="{A9DCEFE4-7BE0-4864-874C-B8DA93E940DD}" type="datetimeFigureOut">
               <a:rPr lang="en-US" smtClean="0"/>
-              <a:t>11/24/2019</a:t>
+              <a:t>11/25/2019</a:t>
             </a:fld>
             <a:endParaRPr lang="en-US"/>
           </a:p>
@@ -4947,18 +4947,6 @@
             </a:lvl9pPr>
           </a:lstStyle>
           <a:p>
-            <a:r>
-              <a:rPr lang="en-US" sz="9600" dirty="0">
-                <a:solidFill>
-                  <a:srgbClr val="32363D"/>
-                </a:solidFill>
-                <a:latin typeface="Times New Roman" panose="02020603050405020304" pitchFamily="18" charset="0"/>
-                <a:cs typeface="Times New Roman" panose="02020603050405020304" pitchFamily="18" charset="0"/>
-              </a:rPr>
-              <a:t>Fuselage interior</a:t>
-            </a:r>
-          </a:p>
-          <a:p>
             <a:endParaRPr lang="en-US" sz="9600" dirty="0">
               <a:solidFill>
                 <a:srgbClr val="32363D"/>
@@ -4966,27 +4954,6 @@
               <a:latin typeface="Times New Roman" panose="02020603050405020304" pitchFamily="18" charset="0"/>
               <a:cs typeface="Times New Roman" panose="02020603050405020304" pitchFamily="18" charset="0"/>
             </a:endParaRPr>
-          </a:p>
-          <a:p>
-            <a:endParaRPr lang="en-US" sz="9600" dirty="0">
-              <a:solidFill>
-                <a:srgbClr val="32363D"/>
-              </a:solidFill>
-              <a:latin typeface="Times New Roman" panose="02020603050405020304" pitchFamily="18" charset="0"/>
-              <a:cs typeface="Times New Roman" panose="02020603050405020304" pitchFamily="18" charset="0"/>
-            </a:endParaRPr>
-          </a:p>
-          <a:p>
-            <a:r>
-              <a:rPr lang="en-US" sz="9600" dirty="0">
-                <a:solidFill>
-                  <a:srgbClr val="32363D"/>
-                </a:solidFill>
-                <a:latin typeface="Times New Roman" panose="02020603050405020304" pitchFamily="18" charset="0"/>
-                <a:cs typeface="Times New Roman" panose="02020603050405020304" pitchFamily="18" charset="0"/>
-              </a:rPr>
-              <a:t>Sean</a:t>
-            </a:r>
           </a:p>
         </p:txBody>
       </p:sp>
@@ -6051,6 +6018,245 @@
           </a:prstGeom>
         </p:spPr>
       </p:pic>
+      <p:pic>
+        <p:nvPicPr>
+          <p:cNvPr id="20" name="Picture 19">
+            <a:extLst>
+              <a:ext uri="{FF2B5EF4-FFF2-40B4-BE49-F238E27FC236}">
+                <a16:creationId xmlns:a16="http://schemas.microsoft.com/office/drawing/2014/main" id="{1CE70385-2404-49C0-82F3-B75D727FDED7}"/>
+              </a:ext>
+            </a:extLst>
+          </p:cNvPr>
+          <p:cNvPicPr>
+            <a:picLocks noChangeAspect="1"/>
+          </p:cNvPicPr>
+          <p:nvPr/>
+        </p:nvPicPr>
+        <p:blipFill>
+          <a:blip r:embed="rId6"/>
+          <a:stretch>
+            <a:fillRect/>
+          </a:stretch>
+        </p:blipFill>
+        <p:spPr>
+          <a:xfrm>
+            <a:off x="139811" y="21389555"/>
+            <a:ext cx="9992104" cy="2942034"/>
+          </a:xfrm>
+          <a:prstGeom prst="rect">
+            <a:avLst/>
+          </a:prstGeom>
+        </p:spPr>
+      </p:pic>
+      <p:sp>
+        <p:nvSpPr>
+          <p:cNvPr id="30" name="Subtitle 2">
+            <a:extLst>
+              <a:ext uri="{FF2B5EF4-FFF2-40B4-BE49-F238E27FC236}">
+                <a16:creationId xmlns:a16="http://schemas.microsoft.com/office/drawing/2014/main" id="{BD3DDEF0-9FE6-4994-9BD9-BF488F779E13}"/>
+              </a:ext>
+            </a:extLst>
+          </p:cNvPr>
+          <p:cNvSpPr txBox="1">
+            <a:spLocks/>
+          </p:cNvSpPr>
+          <p:nvPr/>
+        </p:nvSpPr>
+        <p:spPr>
+          <a:xfrm>
+            <a:off x="139811" y="24331589"/>
+            <a:ext cx="9992104" cy="8282010"/>
+          </a:xfrm>
+          <a:prstGeom prst="rect">
+            <a:avLst/>
+          </a:prstGeom>
+          <a:ln>
+            <a:noFill/>
+          </a:ln>
+        </p:spPr>
+        <p:txBody>
+          <a:bodyPr vert="horz" lIns="91440" tIns="45720" rIns="91440" bIns="45720" rtlCol="0" anchor="ctr">
+            <a:normAutofit/>
+          </a:bodyPr>
+          <a:lstStyle>
+            <a:lvl1pPr marL="0" indent="0" algn="ctr" defTabSz="4389120" rtl="0" eaLnBrk="1" latinLnBrk="0" hangingPunct="1">
+              <a:lnSpc>
+                <a:spcPct val="90000"/>
+              </a:lnSpc>
+              <a:spcBef>
+                <a:spcPts val="4800"/>
+              </a:spcBef>
+              <a:buFont typeface="Arial" panose="020B0604020202020204" pitchFamily="34" charset="0"/>
+              <a:buNone/>
+              <a:defRPr sz="11520" kern="1200">
+                <a:solidFill>
+                  <a:schemeClr val="tx1"/>
+                </a:solidFill>
+                <a:latin typeface="+mn-lt"/>
+                <a:ea typeface="+mn-ea"/>
+                <a:cs typeface="+mn-cs"/>
+              </a:defRPr>
+            </a:lvl1pPr>
+            <a:lvl2pPr marL="2194560" indent="0" algn="ctr" defTabSz="4389120" rtl="0" eaLnBrk="1" latinLnBrk="0" hangingPunct="1">
+              <a:lnSpc>
+                <a:spcPct val="90000"/>
+              </a:lnSpc>
+              <a:spcBef>
+                <a:spcPts val="2400"/>
+              </a:spcBef>
+              <a:buFont typeface="Arial" panose="020B0604020202020204" pitchFamily="34" charset="0"/>
+              <a:buNone/>
+              <a:defRPr sz="9600" kern="1200">
+                <a:solidFill>
+                  <a:schemeClr val="tx1"/>
+                </a:solidFill>
+                <a:latin typeface="+mn-lt"/>
+                <a:ea typeface="+mn-ea"/>
+                <a:cs typeface="+mn-cs"/>
+              </a:defRPr>
+            </a:lvl2pPr>
+            <a:lvl3pPr marL="4389120" indent="0" algn="ctr" defTabSz="4389120" rtl="0" eaLnBrk="1" latinLnBrk="0" hangingPunct="1">
+              <a:lnSpc>
+                <a:spcPct val="90000"/>
+              </a:lnSpc>
+              <a:spcBef>
+                <a:spcPts val="2400"/>
+              </a:spcBef>
+              <a:buFont typeface="Arial" panose="020B0604020202020204" pitchFamily="34" charset="0"/>
+              <a:buNone/>
+              <a:defRPr sz="8640" kern="1200">
+                <a:solidFill>
+                  <a:schemeClr val="tx1"/>
+                </a:solidFill>
+                <a:latin typeface="+mn-lt"/>
+                <a:ea typeface="+mn-ea"/>
+                <a:cs typeface="+mn-cs"/>
+              </a:defRPr>
+            </a:lvl3pPr>
+            <a:lvl4pPr marL="6583680" indent="0" algn="ctr" defTabSz="4389120" rtl="0" eaLnBrk="1" latinLnBrk="0" hangingPunct="1">
+              <a:lnSpc>
+                <a:spcPct val="90000"/>
+              </a:lnSpc>
+              <a:spcBef>
+                <a:spcPts val="2400"/>
+              </a:spcBef>
+              <a:buFont typeface="Arial" panose="020B0604020202020204" pitchFamily="34" charset="0"/>
+              <a:buNone/>
+              <a:defRPr sz="7680" kern="1200">
+                <a:solidFill>
+                  <a:schemeClr val="tx1"/>
+                </a:solidFill>
+                <a:latin typeface="+mn-lt"/>
+                <a:ea typeface="+mn-ea"/>
+                <a:cs typeface="+mn-cs"/>
+              </a:defRPr>
+            </a:lvl4pPr>
+            <a:lvl5pPr marL="8778240" indent="0" algn="ctr" defTabSz="4389120" rtl="0" eaLnBrk="1" latinLnBrk="0" hangingPunct="1">
+              <a:lnSpc>
+                <a:spcPct val="90000"/>
+              </a:lnSpc>
+              <a:spcBef>
+                <a:spcPts val="2400"/>
+              </a:spcBef>
+              <a:buFont typeface="Arial" panose="020B0604020202020204" pitchFamily="34" charset="0"/>
+              <a:buNone/>
+              <a:defRPr sz="7680" kern="1200">
+                <a:solidFill>
+                  <a:schemeClr val="tx1"/>
+                </a:solidFill>
+                <a:latin typeface="+mn-lt"/>
+                <a:ea typeface="+mn-ea"/>
+                <a:cs typeface="+mn-cs"/>
+              </a:defRPr>
+            </a:lvl5pPr>
+            <a:lvl6pPr marL="10972800" indent="0" algn="ctr" defTabSz="4389120" rtl="0" eaLnBrk="1" latinLnBrk="0" hangingPunct="1">
+              <a:lnSpc>
+                <a:spcPct val="90000"/>
+              </a:lnSpc>
+              <a:spcBef>
+                <a:spcPts val="2400"/>
+              </a:spcBef>
+              <a:buFont typeface="Arial" panose="020B0604020202020204" pitchFamily="34" charset="0"/>
+              <a:buNone/>
+              <a:defRPr sz="7680" kern="1200">
+                <a:solidFill>
+                  <a:schemeClr val="tx1"/>
+                </a:solidFill>
+                <a:latin typeface="+mn-lt"/>
+                <a:ea typeface="+mn-ea"/>
+                <a:cs typeface="+mn-cs"/>
+              </a:defRPr>
+            </a:lvl6pPr>
+            <a:lvl7pPr marL="13167360" indent="0" algn="ctr" defTabSz="4389120" rtl="0" eaLnBrk="1" latinLnBrk="0" hangingPunct="1">
+              <a:lnSpc>
+                <a:spcPct val="90000"/>
+              </a:lnSpc>
+              <a:spcBef>
+                <a:spcPts val="2400"/>
+              </a:spcBef>
+              <a:buFont typeface="Arial" panose="020B0604020202020204" pitchFamily="34" charset="0"/>
+              <a:buNone/>
+              <a:defRPr sz="7680" kern="1200">
+                <a:solidFill>
+                  <a:schemeClr val="tx1"/>
+                </a:solidFill>
+                <a:latin typeface="+mn-lt"/>
+                <a:ea typeface="+mn-ea"/>
+                <a:cs typeface="+mn-cs"/>
+              </a:defRPr>
+            </a:lvl7pPr>
+            <a:lvl8pPr marL="15361920" indent="0" algn="ctr" defTabSz="4389120" rtl="0" eaLnBrk="1" latinLnBrk="0" hangingPunct="1">
+              <a:lnSpc>
+                <a:spcPct val="90000"/>
+              </a:lnSpc>
+              <a:spcBef>
+                <a:spcPts val="2400"/>
+              </a:spcBef>
+              <a:buFont typeface="Arial" panose="020B0604020202020204" pitchFamily="34" charset="0"/>
+              <a:buNone/>
+              <a:defRPr sz="7680" kern="1200">
+                <a:solidFill>
+                  <a:schemeClr val="tx1"/>
+                </a:solidFill>
+                <a:latin typeface="+mn-lt"/>
+                <a:ea typeface="+mn-ea"/>
+                <a:cs typeface="+mn-cs"/>
+              </a:defRPr>
+            </a:lvl8pPr>
+            <a:lvl9pPr marL="17556480" indent="0" algn="ctr" defTabSz="4389120" rtl="0" eaLnBrk="1" latinLnBrk="0" hangingPunct="1">
+              <a:lnSpc>
+                <a:spcPct val="90000"/>
+              </a:lnSpc>
+              <a:spcBef>
+                <a:spcPts val="2400"/>
+              </a:spcBef>
+              <a:buFont typeface="Arial" panose="020B0604020202020204" pitchFamily="34" charset="0"/>
+              <a:buNone/>
+              <a:defRPr sz="7680" kern="1200">
+                <a:solidFill>
+                  <a:schemeClr val="tx1"/>
+                </a:solidFill>
+                <a:latin typeface="+mn-lt"/>
+                <a:ea typeface="+mn-ea"/>
+                <a:cs typeface="+mn-cs"/>
+              </a:defRPr>
+            </a:lvl9pPr>
+          </a:lstStyle>
+          <a:p>
+            <a:pPr algn="l"/>
+            <a:r>
+              <a:rPr lang="en-US" sz="5000" dirty="0">
+                <a:solidFill>
+                  <a:srgbClr val="32363D"/>
+                </a:solidFill>
+                <a:latin typeface="Times New Roman" panose="02020603050405020304" pitchFamily="18" charset="0"/>
+                <a:cs typeface="Times New Roman" panose="02020603050405020304" pitchFamily="18" charset="0"/>
+              </a:rPr>
+              <a:t>The fuselage is designed modularly with a electronics holding platform that’s removable for easy access. The platform would be holding the ESC and battery. The motor would be mounted in front of the fuselage. The glider release servo is placed in the lower compartment. Six bolts are in place to make the fuselage interior easy accessible.</a:t>
+            </a:r>
+          </a:p>
+        </p:txBody>
+      </p:sp>
     </p:spTree>
     <p:extLst>
       <p:ext uri="{BB962C8B-B14F-4D97-AF65-F5344CB8AC3E}">
